--- a/00-MAIN-ASYNCJS.pptx
+++ b/00-MAIN-ASYNCJS.pptx
@@ -6,23 +6,24 @@
   </p:sldMasterIdLst>
   <p:sldIdLst>
     <p:sldId id="374" r:id="rId2"/>
-    <p:sldId id="375" r:id="rId3"/>
-    <p:sldId id="264" r:id="rId4"/>
-    <p:sldId id="356" r:id="rId5"/>
-    <p:sldId id="370" r:id="rId6"/>
-    <p:sldId id="364" r:id="rId7"/>
-    <p:sldId id="365" r:id="rId8"/>
-    <p:sldId id="357" r:id="rId9"/>
-    <p:sldId id="358" r:id="rId10"/>
-    <p:sldId id="366" r:id="rId11"/>
-    <p:sldId id="359" r:id="rId12"/>
-    <p:sldId id="360" r:id="rId13"/>
-    <p:sldId id="367" r:id="rId14"/>
-    <p:sldId id="368" r:id="rId15"/>
-    <p:sldId id="265" r:id="rId16"/>
-    <p:sldId id="266" r:id="rId17"/>
-    <p:sldId id="269" r:id="rId18"/>
-    <p:sldId id="373" r:id="rId19"/>
+    <p:sldId id="376" r:id="rId3"/>
+    <p:sldId id="375" r:id="rId4"/>
+    <p:sldId id="264" r:id="rId5"/>
+    <p:sldId id="377" r:id="rId6"/>
+    <p:sldId id="356" r:id="rId7"/>
+    <p:sldId id="370" r:id="rId8"/>
+    <p:sldId id="364" r:id="rId9"/>
+    <p:sldId id="365" r:id="rId10"/>
+    <p:sldId id="357" r:id="rId11"/>
+    <p:sldId id="358" r:id="rId12"/>
+    <p:sldId id="359" r:id="rId13"/>
+    <p:sldId id="360" r:id="rId14"/>
+    <p:sldId id="367" r:id="rId15"/>
+    <p:sldId id="368" r:id="rId16"/>
+    <p:sldId id="265" r:id="rId17"/>
+    <p:sldId id="266" r:id="rId18"/>
+    <p:sldId id="269" r:id="rId19"/>
+    <p:sldId id="373" r:id="rId20"/>
   </p:sldIdLst>
   <p:sldSz cx="12192000" cy="6858000"/>
   <p:notesSz cx="6858000" cy="9144000"/>
@@ -127,6 +128,7 @@
         <p14:section name="Title" id="{BF0B8C19-2579-4083-971D-F8016956F3BB}">
           <p14:sldIdLst>
             <p14:sldId id="374"/>
+            <p14:sldId id="376"/>
             <p14:sldId id="375"/>
           </p14:sldIdLst>
         </p14:section>
@@ -137,6 +139,7 @@
         </p14:section>
         <p14:section name="ARCHITECTURE" id="{9A2897BE-70CB-4455-B892-80EE7AF88E2D}">
           <p14:sldIdLst>
+            <p14:sldId id="377"/>
             <p14:sldId id="356"/>
           </p14:sldIdLst>
         </p14:section>
@@ -155,7 +158,6 @@
         <p14:section name="20 SW and Cache API" id="{A1D8B0D6-7DFF-44A3-9066-7150A14B66D6}">
           <p14:sldIdLst>
             <p14:sldId id="358"/>
-            <p14:sldId id="366"/>
           </p14:sldIdLst>
         </p14:section>
         <p14:section name="30 IndexedDB" id="{28FCDB99-98EF-432C-B8FD-6DCC65DE7A02}">
@@ -198,7 +200,7 @@
 <file path=ppt/revisionInfo.xml><?xml version="1.0" encoding="utf-8"?>
 <p1510:revInfo xmlns:a="http://schemas.openxmlformats.org/drawingml/2006/main" xmlns:r="http://schemas.openxmlformats.org/officeDocument/2006/relationships" xmlns:p1510="http://schemas.microsoft.com/office/powerpoint/2015/10/main">
   <p1510:revLst>
-    <p1510:client id="{0BEDAE74-7BC9-410D-9EFE-FE77F28C3290}" v="8" dt="2021-09-01T07:22:12.133"/>
+    <p1510:client id="{0BEDAE74-7BC9-410D-9EFE-FE77F28C3290}" v="18" dt="2021-09-02T12:39:47.162"/>
   </p1510:revLst>
 </p1510:revInfo>
 </file>
@@ -208,7 +210,7 @@
   <pc:docChgLst>
     <pc:chgData name="Craig West" userId="8d53fe141fb0f703" providerId="LiveId" clId="{0BEDAE74-7BC9-410D-9EFE-FE77F28C3290}"/>
     <pc:docChg chg="custSel addSld delSld modSld sldOrd delSection modSection">
-      <pc:chgData name="Craig West" userId="8d53fe141fb0f703" providerId="LiveId" clId="{0BEDAE74-7BC9-410D-9EFE-FE77F28C3290}" dt="2021-09-01T08:32:19.399" v="380" actId="478"/>
+      <pc:chgData name="Craig West" userId="8d53fe141fb0f703" providerId="LiveId" clId="{0BEDAE74-7BC9-410D-9EFE-FE77F28C3290}" dt="2021-09-02T13:56:41.378" v="598" actId="1076"/>
       <pc:docMkLst>
         <pc:docMk/>
       </pc:docMkLst>
@@ -353,6 +355,13 @@
           <pc:sldMk cId="949583871" sldId="355"/>
         </pc:sldMkLst>
       </pc:sldChg>
+      <pc:sldChg chg="setBg">
+        <pc:chgData name="Craig West" userId="8d53fe141fb0f703" providerId="LiveId" clId="{0BEDAE74-7BC9-410D-9EFE-FE77F28C3290}" dt="2021-09-02T12:38:10.492" v="473"/>
+        <pc:sldMkLst>
+          <pc:docMk/>
+          <pc:sldMk cId="1815841087" sldId="356"/>
+        </pc:sldMkLst>
+      </pc:sldChg>
       <pc:sldChg chg="modSp mod">
         <pc:chgData name="Craig West" userId="8d53fe141fb0f703" providerId="LiveId" clId="{0BEDAE74-7BC9-410D-9EFE-FE77F28C3290}" dt="2021-09-01T07:24:39.191" v="362" actId="313"/>
         <pc:sldMkLst>
@@ -364,6 +373,21 @@
           <ac:spMkLst>
             <pc:docMk/>
             <pc:sldMk cId="4199847308" sldId="357"/>
+            <ac:spMk id="3" creationId="{C77D8FCA-15A2-453C-BEDB-B01FF3E48151}"/>
+          </ac:spMkLst>
+        </pc:spChg>
+      </pc:sldChg>
+      <pc:sldChg chg="modSp mod">
+        <pc:chgData name="Craig West" userId="8d53fe141fb0f703" providerId="LiveId" clId="{0BEDAE74-7BC9-410D-9EFE-FE77F28C3290}" dt="2021-09-02T12:36:30.173" v="466" actId="20577"/>
+        <pc:sldMkLst>
+          <pc:docMk/>
+          <pc:sldMk cId="3919650612" sldId="358"/>
+        </pc:sldMkLst>
+        <pc:spChg chg="mod">
+          <ac:chgData name="Craig West" userId="8d53fe141fb0f703" providerId="LiveId" clId="{0BEDAE74-7BC9-410D-9EFE-FE77F28C3290}" dt="2021-09-02T12:36:30.173" v="466" actId="20577"/>
+          <ac:spMkLst>
+            <pc:docMk/>
+            <pc:sldMk cId="3919650612" sldId="358"/>
             <ac:spMk id="3" creationId="{C77D8FCA-15A2-453C-BEDB-B01FF3E48151}"/>
           </ac:spMkLst>
         </pc:spChg>
@@ -390,13 +414,28 @@
         </pc:sldMkLst>
       </pc:sldChg>
       <pc:sldChg chg="modSp mod">
-        <pc:chgData name="Craig West" userId="8d53fe141fb0f703" providerId="LiveId" clId="{0BEDAE74-7BC9-410D-9EFE-FE77F28C3290}" dt="2021-09-01T07:06:40.624" v="35" actId="1076"/>
+        <pc:chgData name="Craig West" userId="8d53fe141fb0f703" providerId="LiveId" clId="{0BEDAE74-7BC9-410D-9EFE-FE77F28C3290}" dt="2021-09-02T12:36:01.319" v="464" actId="14100"/>
+        <pc:sldMkLst>
+          <pc:docMk/>
+          <pc:sldMk cId="3608804934" sldId="364"/>
+        </pc:sldMkLst>
+        <pc:spChg chg="mod">
+          <ac:chgData name="Craig West" userId="8d53fe141fb0f703" providerId="LiveId" clId="{0BEDAE74-7BC9-410D-9EFE-FE77F28C3290}" dt="2021-09-02T12:36:01.319" v="464" actId="14100"/>
+          <ac:spMkLst>
+            <pc:docMk/>
+            <pc:sldMk cId="3608804934" sldId="364"/>
+            <ac:spMk id="3" creationId="{C77D8FCA-15A2-453C-BEDB-B01FF3E48151}"/>
+          </ac:spMkLst>
+        </pc:spChg>
+      </pc:sldChg>
+      <pc:sldChg chg="modSp mod">
+        <pc:chgData name="Craig West" userId="8d53fe141fb0f703" providerId="LiveId" clId="{0BEDAE74-7BC9-410D-9EFE-FE77F28C3290}" dt="2021-09-02T12:36:10.414" v="465" actId="20577"/>
         <pc:sldMkLst>
           <pc:docMk/>
           <pc:sldMk cId="3234082164" sldId="365"/>
         </pc:sldMkLst>
         <pc:spChg chg="mod">
-          <ac:chgData name="Craig West" userId="8d53fe141fb0f703" providerId="LiveId" clId="{0BEDAE74-7BC9-410D-9EFE-FE77F28C3290}" dt="2021-09-01T07:06:40.624" v="35" actId="1076"/>
+          <ac:chgData name="Craig West" userId="8d53fe141fb0f703" providerId="LiveId" clId="{0BEDAE74-7BC9-410D-9EFE-FE77F28C3290}" dt="2021-09-02T12:36:10.414" v="465" actId="20577"/>
           <ac:spMkLst>
             <pc:docMk/>
             <pc:sldMk cId="3234082164" sldId="365"/>
@@ -404,8 +443,8 @@
           </ac:spMkLst>
         </pc:spChg>
       </pc:sldChg>
-      <pc:sldChg chg="modSp mod">
-        <pc:chgData name="Craig West" userId="8d53fe141fb0f703" providerId="LiveId" clId="{0BEDAE74-7BC9-410D-9EFE-FE77F28C3290}" dt="2021-09-01T07:24:50.677" v="363" actId="20577"/>
+      <pc:sldChg chg="modSp del mod">
+        <pc:chgData name="Craig West" userId="8d53fe141fb0f703" providerId="LiveId" clId="{0BEDAE74-7BC9-410D-9EFE-FE77F28C3290}" dt="2021-09-02T12:36:41.631" v="467" actId="47"/>
         <pc:sldMkLst>
           <pc:docMk/>
           <pc:sldMk cId="2993391419" sldId="366"/>
@@ -486,7 +525,7 @@
         </pc:spChg>
       </pc:sldChg>
       <pc:sldChg chg="modSp add mod ord">
-        <pc:chgData name="Craig West" userId="8d53fe141fb0f703" providerId="LiveId" clId="{0BEDAE74-7BC9-410D-9EFE-FE77F28C3290}" dt="2021-09-01T07:25:16.268" v="365" actId="1076"/>
+        <pc:chgData name="Craig West" userId="8d53fe141fb0f703" providerId="LiveId" clId="{0BEDAE74-7BC9-410D-9EFE-FE77F28C3290}" dt="2021-09-02T13:56:41.378" v="598" actId="1076"/>
         <pc:sldMkLst>
           <pc:docMk/>
           <pc:sldMk cId="3668984345" sldId="374"/>
@@ -500,7 +539,7 @@
           </ac:spMkLst>
         </pc:spChg>
         <pc:spChg chg="mod">
-          <ac:chgData name="Craig West" userId="8d53fe141fb0f703" providerId="LiveId" clId="{0BEDAE74-7BC9-410D-9EFE-FE77F28C3290}" dt="2021-09-01T07:25:16.268" v="365" actId="1076"/>
+          <ac:chgData name="Craig West" userId="8d53fe141fb0f703" providerId="LiveId" clId="{0BEDAE74-7BC9-410D-9EFE-FE77F28C3290}" dt="2021-09-02T13:56:41.378" v="598" actId="1076"/>
           <ac:spMkLst>
             <pc:docMk/>
             <pc:sldMk cId="3668984345" sldId="374"/>
@@ -555,6 +594,60 @@
           </ac:picMkLst>
         </pc:picChg>
       </pc:sldChg>
+      <pc:sldChg chg="modSp add mod">
+        <pc:chgData name="Craig West" userId="8d53fe141fb0f703" providerId="LiveId" clId="{0BEDAE74-7BC9-410D-9EFE-FE77F28C3290}" dt="2021-09-02T12:40:32.126" v="489" actId="1076"/>
+        <pc:sldMkLst>
+          <pc:docMk/>
+          <pc:sldMk cId="1680726644" sldId="376"/>
+        </pc:sldMkLst>
+        <pc:spChg chg="mod">
+          <ac:chgData name="Craig West" userId="8d53fe141fb0f703" providerId="LiveId" clId="{0BEDAE74-7BC9-410D-9EFE-FE77F28C3290}" dt="2021-09-02T12:35:01.846" v="419" actId="20577"/>
+          <ac:spMkLst>
+            <pc:docMk/>
+            <pc:sldMk cId="1680726644" sldId="376"/>
+            <ac:spMk id="2" creationId="{81769C98-962F-4C3A-B575-99BB0A9C6763}"/>
+          </ac:spMkLst>
+        </pc:spChg>
+        <pc:spChg chg="mod">
+          <ac:chgData name="Craig West" userId="8d53fe141fb0f703" providerId="LiveId" clId="{0BEDAE74-7BC9-410D-9EFE-FE77F28C3290}" dt="2021-09-02T12:40:32.126" v="489" actId="1076"/>
+          <ac:spMkLst>
+            <pc:docMk/>
+            <pc:sldMk cId="1680726644" sldId="376"/>
+            <ac:spMk id="3" creationId="{C77D8FCA-15A2-453C-BEDB-B01FF3E48151}"/>
+          </ac:spMkLst>
+        </pc:spChg>
+      </pc:sldChg>
+      <pc:sldChg chg="addSp delSp modSp mod ord setBg">
+        <pc:chgData name="Craig West" userId="8d53fe141fb0f703" providerId="LiveId" clId="{0BEDAE74-7BC9-410D-9EFE-FE77F28C3290}" dt="2021-09-02T12:39:15.969" v="482"/>
+        <pc:sldMkLst>
+          <pc:docMk/>
+          <pc:sldMk cId="3619892469" sldId="377"/>
+        </pc:sldMkLst>
+        <pc:spChg chg="add del mod">
+          <ac:chgData name="Craig West" userId="8d53fe141fb0f703" providerId="LiveId" clId="{0BEDAE74-7BC9-410D-9EFE-FE77F28C3290}" dt="2021-09-02T12:39:14.750" v="481" actId="478"/>
+          <ac:spMkLst>
+            <pc:docMk/>
+            <pc:sldMk cId="3619892469" sldId="377"/>
+            <ac:spMk id="13" creationId="{65EFA98B-CDEB-454A-80C3-3D1E1942C133}"/>
+          </ac:spMkLst>
+        </pc:spChg>
+        <pc:spChg chg="add mod">
+          <ac:chgData name="Craig West" userId="8d53fe141fb0f703" providerId="LiveId" clId="{0BEDAE74-7BC9-410D-9EFE-FE77F28C3290}" dt="2021-09-02T12:39:15.969" v="482"/>
+          <ac:spMkLst>
+            <pc:docMk/>
+            <pc:sldMk cId="3619892469" sldId="377"/>
+            <ac:spMk id="14" creationId="{600E46A4-EAE4-4456-88BB-2130D4255A3C}"/>
+          </ac:spMkLst>
+        </pc:spChg>
+        <pc:spChg chg="del mod">
+          <ac:chgData name="Craig West" userId="8d53fe141fb0f703" providerId="LiveId" clId="{0BEDAE74-7BC9-410D-9EFE-FE77F28C3290}" dt="2021-09-02T12:39:05.247" v="479" actId="478"/>
+          <ac:spMkLst>
+            <pc:docMk/>
+            <pc:sldMk cId="3619892469" sldId="377"/>
+            <ac:spMk id="45" creationId="{B1691B79-AABE-43A9-9F3E-B935A543FAB7}"/>
+          </ac:spMkLst>
+        </pc:spChg>
+      </pc:sldChg>
     </pc:docChg>
   </pc:docChgLst>
 </pc:chgInfo>
@@ -724,7 +817,7 @@
           <a:p>
             <a:fld id="{C5F59531-FE7D-4CBC-B89F-A20805D46E5F}" type="datetimeFigureOut">
               <a:rPr lang="en-GB" smtClean="0"/>
-              <a:t>01/09/2021</a:t>
+              <a:t>02/09/2021</a:t>
             </a:fld>
             <a:endParaRPr lang="en-GB"/>
           </a:p>
@@ -924,7 +1017,7 @@
           <a:p>
             <a:fld id="{C5F59531-FE7D-4CBC-B89F-A20805D46E5F}" type="datetimeFigureOut">
               <a:rPr lang="en-GB" smtClean="0"/>
-              <a:t>01/09/2021</a:t>
+              <a:t>02/09/2021</a:t>
             </a:fld>
             <a:endParaRPr lang="en-GB"/>
           </a:p>
@@ -1134,7 +1227,7 @@
           <a:p>
             <a:fld id="{C5F59531-FE7D-4CBC-B89F-A20805D46E5F}" type="datetimeFigureOut">
               <a:rPr lang="en-GB" smtClean="0"/>
-              <a:t>01/09/2021</a:t>
+              <a:t>02/09/2021</a:t>
             </a:fld>
             <a:endParaRPr lang="en-GB"/>
           </a:p>
@@ -1334,7 +1427,7 @@
           <a:p>
             <a:fld id="{C5F59531-FE7D-4CBC-B89F-A20805D46E5F}" type="datetimeFigureOut">
               <a:rPr lang="en-GB" smtClean="0"/>
-              <a:t>01/09/2021</a:t>
+              <a:t>02/09/2021</a:t>
             </a:fld>
             <a:endParaRPr lang="en-GB"/>
           </a:p>
@@ -1610,7 +1703,7 @@
           <a:p>
             <a:fld id="{C5F59531-FE7D-4CBC-B89F-A20805D46E5F}" type="datetimeFigureOut">
               <a:rPr lang="en-GB" smtClean="0"/>
-              <a:t>01/09/2021</a:t>
+              <a:t>02/09/2021</a:t>
             </a:fld>
             <a:endParaRPr lang="en-GB"/>
           </a:p>
@@ -1878,7 +1971,7 @@
           <a:p>
             <a:fld id="{C5F59531-FE7D-4CBC-B89F-A20805D46E5F}" type="datetimeFigureOut">
               <a:rPr lang="en-GB" smtClean="0"/>
-              <a:t>01/09/2021</a:t>
+              <a:t>02/09/2021</a:t>
             </a:fld>
             <a:endParaRPr lang="en-GB"/>
           </a:p>
@@ -2293,7 +2386,7 @@
           <a:p>
             <a:fld id="{C5F59531-FE7D-4CBC-B89F-A20805D46E5F}" type="datetimeFigureOut">
               <a:rPr lang="en-GB" smtClean="0"/>
-              <a:t>01/09/2021</a:t>
+              <a:t>02/09/2021</a:t>
             </a:fld>
             <a:endParaRPr lang="en-GB"/>
           </a:p>
@@ -2435,7 +2528,7 @@
           <a:p>
             <a:fld id="{C5F59531-FE7D-4CBC-B89F-A20805D46E5F}" type="datetimeFigureOut">
               <a:rPr lang="en-GB" smtClean="0"/>
-              <a:t>01/09/2021</a:t>
+              <a:t>02/09/2021</a:t>
             </a:fld>
             <a:endParaRPr lang="en-GB"/>
           </a:p>
@@ -2548,7 +2641,7 @@
           <a:p>
             <a:fld id="{C5F59531-FE7D-4CBC-B89F-A20805D46E5F}" type="datetimeFigureOut">
               <a:rPr lang="en-GB" smtClean="0"/>
-              <a:t>01/09/2021</a:t>
+              <a:t>02/09/2021</a:t>
             </a:fld>
             <a:endParaRPr lang="en-GB"/>
           </a:p>
@@ -2861,7 +2954,7 @@
           <a:p>
             <a:fld id="{C5F59531-FE7D-4CBC-B89F-A20805D46E5F}" type="datetimeFigureOut">
               <a:rPr lang="en-GB" smtClean="0"/>
-              <a:t>01/09/2021</a:t>
+              <a:t>02/09/2021</a:t>
             </a:fld>
             <a:endParaRPr lang="en-GB"/>
           </a:p>
@@ -3150,7 +3243,7 @@
           <a:p>
             <a:fld id="{C5F59531-FE7D-4CBC-B89F-A20805D46E5F}" type="datetimeFigureOut">
               <a:rPr lang="en-GB" smtClean="0"/>
-              <a:t>01/09/2021</a:t>
+              <a:t>02/09/2021</a:t>
             </a:fld>
             <a:endParaRPr lang="en-GB"/>
           </a:p>
@@ -3399,7 +3492,7 @@
           <a:p>
             <a:fld id="{C5F59531-FE7D-4CBC-B89F-A20805D46E5F}" type="datetimeFigureOut">
               <a:rPr lang="en-GB" smtClean="0"/>
-              <a:t>01/09/2021</a:t>
+              <a:t>02/09/2021</a:t>
             </a:fld>
             <a:endParaRPr lang="en-GB"/>
           </a:p>
@@ -3898,8 +3991,8 @@
         </p:nvSpPr>
         <p:spPr>
           <a:xfrm>
-            <a:off x="986828" y="1415247"/>
-            <a:ext cx="10515600" cy="5185757"/>
+            <a:off x="838200" y="1780903"/>
+            <a:ext cx="10515600" cy="4267200"/>
           </a:xfrm>
         </p:spPr>
         <p:txBody>
@@ -3915,42 +4008,42 @@
               </a:rPr>
               <a:t>Using HTML5 APIs to create Progressive Web Apps.</a:t>
             </a:r>
-            <a:endParaRPr lang="en-GB" sz="2000" dirty="0">
+            <a:endParaRPr lang="en-GB" sz="6000" dirty="0">
               <a:latin typeface="Avenir Next LT Pro" panose="020B0504020202020204" pitchFamily="34" charset="0"/>
             </a:endParaRPr>
+          </a:p>
+          <a:p>
+            <a:pPr algn="ctr"/>
+            <a:r>
+              <a:rPr lang="en-GB" sz="6000" dirty="0">
+                <a:latin typeface="Avenir Next LT Pro" panose="020B0504020202020204" pitchFamily="34" charset="0"/>
+              </a:rPr>
+              <a:t>Craig West</a:t>
+            </a:r>
+          </a:p>
+          <a:p>
+            <a:pPr algn="ctr"/>
+            <a:r>
+              <a:rPr lang="en-GB" sz="6000" dirty="0">
+                <a:latin typeface="Avenir Next LT Pro" panose="020B0504020202020204" pitchFamily="34" charset="0"/>
+              </a:rPr>
+              <a:t>Trainer and Developer</a:t>
+            </a:r>
+          </a:p>
+          <a:p>
+            <a:pPr algn="ctr"/>
+            <a:r>
+              <a:rPr lang="en-GB" sz="4800" dirty="0">
+                <a:latin typeface="Avenir Next LT Pro" panose="020B0504020202020204" pitchFamily="34" charset="0"/>
+              </a:rPr>
+              <a:t>https://github.com/iwswordpress</a:t>
+            </a:r>
           </a:p>
           <a:p>
             <a:pPr algn="ctr"/>
             <a:endParaRPr lang="en-GB" sz="6000" dirty="0">
               <a:latin typeface="Avenir Next LT Pro" panose="020B0504020202020204" pitchFamily="34" charset="0"/>
             </a:endParaRPr>
-          </a:p>
-          <a:p>
-            <a:pPr algn="ctr"/>
-            <a:r>
-              <a:rPr lang="en-GB" sz="6000" dirty="0">
-                <a:latin typeface="Avenir Next LT Pro" panose="020B0504020202020204" pitchFamily="34" charset="0"/>
-              </a:rPr>
-              <a:t>Craig West</a:t>
-            </a:r>
-          </a:p>
-          <a:p>
-            <a:pPr lvl="1" algn="ctr"/>
-            <a:r>
-              <a:rPr lang="en-GB" sz="6600" dirty="0">
-                <a:latin typeface="Avenir Next LT Pro" panose="020B0504020202020204" pitchFamily="34" charset="0"/>
-              </a:rPr>
-              <a:t>wpjs.co.uk/asyncjs </a:t>
-            </a:r>
-          </a:p>
-          <a:p>
-            <a:pPr lvl="1" algn="ctr"/>
-            <a:r>
-              <a:rPr lang="en-GB" dirty="0">
-                <a:latin typeface="Avenir Next LT Pro" panose="020B0504020202020204" pitchFamily="34" charset="0"/>
-              </a:rPr>
-              <a:t>(PWAs require httpS)</a:t>
-            </a:r>
           </a:p>
         </p:txBody>
       </p:sp>
@@ -4007,7 +4100,7 @@
           <a:p>
             <a:r>
               <a:rPr lang="en-GB" dirty="0"/>
-              <a:t>20s – SW and Cache API</a:t>
+              <a:t>10s - Installability</a:t>
             </a:r>
           </a:p>
         </p:txBody>
@@ -4030,8 +4123,8 @@
         </p:nvSpPr>
         <p:spPr>
           <a:xfrm>
-            <a:off x="630283" y="1100137"/>
-            <a:ext cx="10515600" cy="5021529"/>
+            <a:off x="477883" y="1100138"/>
+            <a:ext cx="10515600" cy="4351338"/>
           </a:xfrm>
         </p:spPr>
         <p:txBody>
@@ -4039,50 +4132,64 @@
           <a:lstStyle/>
           <a:p>
             <a:r>
-              <a:rPr lang="en-GB" dirty="0">
-                <a:solidFill>
-                  <a:schemeClr val="accent5">
-                    <a:lumMod val="60000"/>
-                    <a:lumOff val="40000"/>
-                  </a:schemeClr>
-                </a:solidFill>
-                <a:hlinkClick r:id="rId2">
-                  <a:extLst>
-                    <a:ext uri="{A12FA001-AC4F-418D-AE19-62706E023703}">
-                      <ahyp:hlinkClr xmlns:ahyp="http://schemas.microsoft.com/office/drawing/2018/hyperlinkcolor" val="tx"/>
-                    </a:ext>
-                  </a:extLst>
-                </a:hlinkClick>
-              </a:rPr>
-              <a:t>MDN Cache API</a:t>
-            </a:r>
-            <a:endParaRPr lang="en-GB" dirty="0">
-              <a:solidFill>
-                <a:schemeClr val="accent5">
-                  <a:lumMod val="60000"/>
-                  <a:lumOff val="40000"/>
-                </a:schemeClr>
-              </a:solidFill>
-            </a:endParaRPr>
-          </a:p>
-          <a:p>
-            <a:r>
               <a:rPr lang="en-GB" dirty="0"/>
-              <a:t>See manual for more detailed information on browser cache, what is an origin etc.</a:t>
+              <a:t>The ability to add an icon to the Homescreen or save link on mobile device.</a:t>
             </a:r>
           </a:p>
           <a:p>
             <a:r>
               <a:rPr lang="en-GB" dirty="0"/>
-              <a:t>02-BROWSER-CACHE.pptx will show how the Cache API and the browsers own cache work together.</a:t>
-            </a:r>
-          </a:p>
-        </p:txBody>
-      </p:sp>
+              <a:t>Each browser has its own implementation – Chrome offers the ability to offer a custom install.</a:t>
+            </a:r>
+          </a:p>
+          <a:p>
+            <a:r>
+              <a:rPr lang="en-GB" dirty="0"/>
+              <a:t>‘whatwebcando.today’</a:t>
+            </a:r>
+          </a:p>
+        </p:txBody>
+      </p:sp>
+      <p:pic>
+        <p:nvPicPr>
+          <p:cNvPr id="5" name="Picture 4" descr="Logo&#10;&#10;Description automatically generated">
+            <a:extLst>
+              <a:ext uri="{FF2B5EF4-FFF2-40B4-BE49-F238E27FC236}">
+                <a16:creationId xmlns:a16="http://schemas.microsoft.com/office/drawing/2014/main" id="{D9E6DA84-9392-497A-83A0-282E94CA06E1}"/>
+              </a:ext>
+            </a:extLst>
+          </p:cNvPr>
+          <p:cNvPicPr>
+            <a:picLocks noChangeAspect="1"/>
+          </p:cNvPicPr>
+          <p:nvPr/>
+        </p:nvPicPr>
+        <p:blipFill>
+          <a:blip r:embed="rId2">
+            <a:extLst>
+              <a:ext uri="{28A0092B-C50C-407E-A947-70E740481C1C}">
+                <a14:useLocalDpi xmlns:a14="http://schemas.microsoft.com/office/drawing/2010/main" val="0"/>
+              </a:ext>
+            </a:extLst>
+          </a:blip>
+          <a:stretch>
+            <a:fillRect/>
+          </a:stretch>
+        </p:blipFill>
+        <p:spPr>
+          <a:xfrm>
+            <a:off x="10450907" y="1308255"/>
+            <a:ext cx="1427218" cy="1872000"/>
+          </a:xfrm>
+          <a:prstGeom prst="rect">
+            <a:avLst/>
+          </a:prstGeom>
+        </p:spPr>
+      </p:pic>
     </p:spTree>
     <p:extLst>
       <p:ext uri="{BB962C8B-B14F-4D97-AF65-F5344CB8AC3E}">
-        <p14:creationId xmlns:p14="http://schemas.microsoft.com/office/powerpoint/2010/main" val="2993391419"/>
+        <p14:creationId xmlns:p14="http://schemas.microsoft.com/office/powerpoint/2010/main" val="4199847308"/>
       </p:ext>
     </p:extLst>
   </p:cSld>
@@ -4132,7 +4239,7 @@
           <a:p>
             <a:r>
               <a:rPr lang="en-GB" dirty="0"/>
-              <a:t>30s IndexedDB</a:t>
+              <a:t>20s – SW and Cache API</a:t>
             </a:r>
           </a:p>
         </p:txBody>
@@ -4156,7 +4263,7 @@
         <p:spPr>
           <a:xfrm>
             <a:off x="630283" y="1100137"/>
-            <a:ext cx="10515600" cy="5492251"/>
+            <a:ext cx="10515600" cy="5021529"/>
           </a:xfrm>
         </p:spPr>
         <p:txBody>
@@ -4165,25 +4272,19 @@
           <a:p>
             <a:r>
               <a:rPr lang="en-GB" dirty="0"/>
-              <a:t>Key points are:</a:t>
+              <a:t>The CACHE API is an HTML API not a SW feature.</a:t>
             </a:r>
           </a:p>
           <a:p>
             <a:r>
               <a:rPr lang="en-GB" dirty="0"/>
-              <a:t>IndexedDB is asynchronous, transactional and a JS object key/value pair that can store JSON, files, images, videos.</a:t>
+              <a:t>Essentially, folders that stores a dictionary of REQUEST: RESPONSE key value pairs. Cached pages.</a:t>
             </a:r>
           </a:p>
           <a:p>
             <a:r>
               <a:rPr lang="en-GB" dirty="0"/>
-              <a:t>We will see how versioning enables schema changes.</a:t>
-            </a:r>
-          </a:p>
-          <a:p>
-            <a:r>
-              <a:rPr lang="en-GB" dirty="0"/>
-              <a:t>We can create Primary Keys and indexes.</a:t>
+              <a:t>Regular web pages can add pages to CACHE and we will see how this can be used for fast, intelligent web pages.</a:t>
             </a:r>
           </a:p>
           <a:p>
@@ -4197,7 +4298,7 @@
     </p:spTree>
     <p:extLst>
       <p:ext uri="{BB962C8B-B14F-4D97-AF65-F5344CB8AC3E}">
-        <p14:creationId xmlns:p14="http://schemas.microsoft.com/office/powerpoint/2010/main" val="489317082"/>
+        <p14:creationId xmlns:p14="http://schemas.microsoft.com/office/powerpoint/2010/main" val="3919650612"/>
       </p:ext>
     </p:extLst>
   </p:cSld>
@@ -4286,22 +4387,23 @@
           <a:p>
             <a:r>
               <a:rPr lang="en-GB" dirty="0"/>
-              <a:t>It is quite a clunky implementation based on events and callbacks but there are a variety of libraries that provide ease of use.</a:t>
+              <a:t>IndexedDB is asynchronous, transactional and a JS object key/value pair that can store JSON, files, images, videos.</a:t>
             </a:r>
           </a:p>
           <a:p>
             <a:r>
               <a:rPr lang="en-GB" dirty="0"/>
-              <a:t>Please refer to the manual where we will have more information and we will then see IndexedDB in action via code </a:t>
-            </a:r>
-            <a:r>
-              <a:rPr lang="en-GB"/>
-              <a:t>and drills</a:t>
-            </a:r>
+              <a:t>We will see how versioning enables schema changes.</a:t>
+            </a:r>
+          </a:p>
+          <a:p>
             <a:r>
               <a:rPr lang="en-GB" dirty="0"/>
-              <a:t>.</a:t>
-            </a:r>
+              <a:t>We can create Primary Keys and indexes.</a:t>
+            </a:r>
+          </a:p>
+          <a:p>
+            <a:endParaRPr lang="en-GB" dirty="0"/>
           </a:p>
           <a:p>
             <a:endParaRPr lang="en-GB" dirty="0"/>
@@ -4311,7 +4413,7 @@
     </p:spTree>
     <p:extLst>
       <p:ext uri="{BB962C8B-B14F-4D97-AF65-F5344CB8AC3E}">
-        <p14:creationId xmlns:p14="http://schemas.microsoft.com/office/powerpoint/2010/main" val="796212597"/>
+        <p14:creationId xmlns:p14="http://schemas.microsoft.com/office/powerpoint/2010/main" val="489317082"/>
       </p:ext>
     </p:extLst>
   </p:cSld>
@@ -4361,7 +4463,7 @@
           <a:p>
             <a:r>
               <a:rPr lang="en-GB" dirty="0"/>
-              <a:t>40s Messaging and Notifications</a:t>
+              <a:t>30s IndexedDB</a:t>
             </a:r>
           </a:p>
         </p:txBody>
@@ -4394,33 +4496,38 @@
           <a:p>
             <a:r>
               <a:rPr lang="en-GB" dirty="0"/>
-              <a:t>MESSAGING</a:t>
+              <a:t>Key points are:</a:t>
             </a:r>
           </a:p>
           <a:p>
             <a:r>
               <a:rPr lang="en-GB" dirty="0"/>
-              <a:t>These are regular HTML5 APIs which we can use.</a:t>
+              <a:t>It is quite a clunky implementation based on events and callbacks but there are a variety of libraries that provide ease of use.</a:t>
             </a:r>
           </a:p>
           <a:p>
             <a:r>
               <a:rPr lang="en-GB" dirty="0"/>
-              <a:t>The postMessage API enables messaging between pages, web workers, service workers.</a:t>
-            </a:r>
-          </a:p>
-          <a:p>
+              <a:t>Please refer to the manual where we will have more information and we will then see IndexedDB in action via code </a:t>
+            </a:r>
+            <a:r>
+              <a:rPr lang="en-GB"/>
+              <a:t>and drills</a:t>
+            </a:r>
             <a:r>
               <a:rPr lang="en-GB" dirty="0"/>
-              <a:t>In the SW we can send messages to a particular client or a range of clients.</a:t>
-            </a:r>
+              <a:t>.</a:t>
+            </a:r>
+          </a:p>
+          <a:p>
+            <a:endParaRPr lang="en-GB" dirty="0"/>
           </a:p>
         </p:txBody>
       </p:sp>
     </p:spTree>
     <p:extLst>
       <p:ext uri="{BB962C8B-B14F-4D97-AF65-F5344CB8AC3E}">
-        <p14:creationId xmlns:p14="http://schemas.microsoft.com/office/powerpoint/2010/main" val="2956467782"/>
+        <p14:creationId xmlns:p14="http://schemas.microsoft.com/office/powerpoint/2010/main" val="796212597"/>
       </p:ext>
     </p:extLst>
   </p:cSld>
@@ -4503,25 +4610,25 @@
           <a:p>
             <a:r>
               <a:rPr lang="en-GB" dirty="0"/>
-              <a:t>NOTIFICATIONS</a:t>
+              <a:t>MESSAGING</a:t>
             </a:r>
           </a:p>
           <a:p>
             <a:r>
               <a:rPr lang="en-GB" dirty="0"/>
-              <a:t>An HTML5 API but it will use the underlying OS.</a:t>
+              <a:t>These are regular HTML5 APIs which we can use.</a:t>
             </a:r>
           </a:p>
           <a:p>
             <a:r>
               <a:rPr lang="en-GB" dirty="0"/>
-              <a:t>We must have user permission so the first thing we do is ask for permission as we saw in the demo.</a:t>
+              <a:t>The postMessage API enables messaging between pages, web workers, service workers.</a:t>
             </a:r>
           </a:p>
           <a:p>
             <a:r>
               <a:rPr lang="en-GB" dirty="0"/>
-              <a:t>Some browsers are starting to block apps from making requests and have an icon in URL bar indicating user intervention.</a:t>
+              <a:t>In the SW we can send messages to a particular client or a range of clients.</a:t>
             </a:r>
           </a:p>
         </p:txBody>
@@ -4529,7 +4636,7 @@
     </p:spTree>
     <p:extLst>
       <p:ext uri="{BB962C8B-B14F-4D97-AF65-F5344CB8AC3E}">
-        <p14:creationId xmlns:p14="http://schemas.microsoft.com/office/powerpoint/2010/main" val="2694033607"/>
+        <p14:creationId xmlns:p14="http://schemas.microsoft.com/office/powerpoint/2010/main" val="2956467782"/>
       </p:ext>
     </p:extLst>
   </p:cSld>
@@ -4561,7 +4668,7 @@
           <p:cNvPr id="2" name="Title 1">
             <a:extLst>
               <a:ext uri="{FF2B5EF4-FFF2-40B4-BE49-F238E27FC236}">
-                <a16:creationId xmlns:a16="http://schemas.microsoft.com/office/drawing/2014/main" id="{AEEF7F24-C545-4AC7-A077-BE03EDD20C5D}"/>
+                <a16:creationId xmlns:a16="http://schemas.microsoft.com/office/drawing/2014/main" id="{81769C98-962F-4C3A-B575-99BB0A9C6763}"/>
               </a:ext>
             </a:extLst>
           </p:cNvPr>
@@ -4572,496 +4679,73 @@
             <p:ph type="title"/>
           </p:nvPr>
         </p:nvSpPr>
-        <p:spPr>
-          <a:xfrm>
-            <a:off x="838200" y="247679"/>
-            <a:ext cx="10515600" cy="901613"/>
-          </a:xfrm>
-        </p:spPr>
-        <p:txBody>
-          <a:bodyPr>
-            <a:normAutofit/>
-          </a:bodyPr>
-          <a:lstStyle/>
-          <a:p>
-            <a:pPr algn="ctr"/>
-            <a:r>
-              <a:rPr lang="en-GB" sz="5400" b="1" dirty="0">
-                <a:latin typeface="Segoe UI" panose="020B0502040204020203" pitchFamily="34" charset="0"/>
-                <a:cs typeface="Segoe UI" panose="020B0502040204020203" pitchFamily="34" charset="0"/>
-              </a:rPr>
-              <a:t>HTML Messaging API</a:t>
-            </a:r>
-          </a:p>
-        </p:txBody>
-      </p:sp>
-      <p:sp>
-        <p:nvSpPr>
-          <p:cNvPr id="5" name="Rectangle 4">
-            <a:extLst>
-              <a:ext uri="{FF2B5EF4-FFF2-40B4-BE49-F238E27FC236}">
-                <a16:creationId xmlns:a16="http://schemas.microsoft.com/office/drawing/2014/main" id="{EC2F18B1-537B-4C32-9F1A-C3A0B97C8EC8}"/>
-              </a:ext>
-            </a:extLst>
-          </p:cNvPr>
-          <p:cNvSpPr/>
-          <p:nvPr/>
-        </p:nvSpPr>
-        <p:spPr>
-          <a:xfrm>
-            <a:off x="319628" y="2030136"/>
-            <a:ext cx="4733142" cy="3892492"/>
-          </a:xfrm>
-          <a:prstGeom prst="rect">
-            <a:avLst/>
-          </a:prstGeom>
-          <a:solidFill>
-            <a:schemeClr val="accent6">
-              <a:lumMod val="40000"/>
-              <a:lumOff val="60000"/>
-            </a:schemeClr>
-          </a:solidFill>
-        </p:spPr>
-        <p:style>
-          <a:lnRef idx="2">
-            <a:schemeClr val="accent1">
-              <a:shade val="50000"/>
-            </a:schemeClr>
-          </a:lnRef>
-          <a:fillRef idx="1">
-            <a:schemeClr val="accent1"/>
-          </a:fillRef>
-          <a:effectRef idx="0">
-            <a:schemeClr val="accent1"/>
-          </a:effectRef>
-          <a:fontRef idx="minor">
-            <a:schemeClr val="lt1"/>
-          </a:fontRef>
-        </p:style>
-        <p:txBody>
-          <a:bodyPr rtlCol="0" anchor="ctr"/>
-          <a:lstStyle/>
-          <a:p>
-            <a:pPr algn="ctr"/>
+        <p:spPr/>
+        <p:txBody>
+          <a:bodyPr/>
+          <a:lstStyle/>
+          <a:p>
             <a:r>
               <a:rPr lang="en-GB" dirty="0"/>
-              <a:t> </a:t>
-            </a:r>
-          </a:p>
-        </p:txBody>
-      </p:sp>
-      <p:sp>
-        <p:nvSpPr>
-          <p:cNvPr id="8" name="Rectangle 7">
-            <a:extLst>
-              <a:ext uri="{FF2B5EF4-FFF2-40B4-BE49-F238E27FC236}">
-                <a16:creationId xmlns:a16="http://schemas.microsoft.com/office/drawing/2014/main" id="{41307C67-57CE-4A82-832C-BB6A4C043A11}"/>
-              </a:ext>
-            </a:extLst>
-          </p:cNvPr>
-          <p:cNvSpPr/>
-          <p:nvPr/>
-        </p:nvSpPr>
-        <p:spPr>
-          <a:xfrm>
-            <a:off x="7534008" y="2030136"/>
-            <a:ext cx="4523751" cy="3892492"/>
-          </a:xfrm>
-          <a:prstGeom prst="rect">
-            <a:avLst/>
-          </a:prstGeom>
-          <a:solidFill>
-            <a:schemeClr val="accent4">
-              <a:lumMod val="40000"/>
-              <a:lumOff val="60000"/>
-            </a:schemeClr>
-          </a:solidFill>
-        </p:spPr>
-        <p:style>
-          <a:lnRef idx="2">
-            <a:schemeClr val="accent1">
-              <a:shade val="50000"/>
-            </a:schemeClr>
-          </a:lnRef>
-          <a:fillRef idx="1">
-            <a:schemeClr val="accent1"/>
-          </a:fillRef>
-          <a:effectRef idx="0">
-            <a:schemeClr val="accent1"/>
-          </a:effectRef>
-          <a:fontRef idx="minor">
-            <a:schemeClr val="lt1"/>
-          </a:fontRef>
-        </p:style>
-        <p:txBody>
-          <a:bodyPr rtlCol="0" anchor="ctr"/>
-          <a:lstStyle/>
-          <a:p>
-            <a:pPr algn="ctr"/>
-            <a:endParaRPr lang="en-GB" dirty="0"/>
-          </a:p>
-        </p:txBody>
-      </p:sp>
-      <p:sp>
-        <p:nvSpPr>
-          <p:cNvPr id="6" name="TextBox 5">
-            <a:extLst>
-              <a:ext uri="{FF2B5EF4-FFF2-40B4-BE49-F238E27FC236}">
-                <a16:creationId xmlns:a16="http://schemas.microsoft.com/office/drawing/2014/main" id="{5C36D17C-2F88-4BB9-B784-D0E080E9D69D}"/>
-              </a:ext>
-            </a:extLst>
-          </p:cNvPr>
-          <p:cNvSpPr txBox="1"/>
-          <p:nvPr/>
-        </p:nvSpPr>
-        <p:spPr>
-          <a:xfrm>
-            <a:off x="1058724" y="1353107"/>
-            <a:ext cx="3764959" cy="523220"/>
-          </a:xfrm>
-          <a:prstGeom prst="rect">
-            <a:avLst/>
-          </a:prstGeom>
-          <a:noFill/>
-        </p:spPr>
-        <p:txBody>
-          <a:bodyPr wrap="square" rtlCol="0">
-            <a:spAutoFit/>
-          </a:bodyPr>
-          <a:lstStyle/>
-          <a:p>
-            <a:r>
-              <a:rPr lang="en-GB" sz="2800" dirty="0"/>
-              <a:t>Web Page e</a:t>
-            </a:r>
-            <a:r>
-              <a:rPr lang="en-GB" sz="2800"/>
-              <a:t>.g. </a:t>
-            </a:r>
-            <a:r>
-              <a:rPr lang="en-GB" sz="2800" dirty="0"/>
-              <a:t>form.html</a:t>
-            </a:r>
-          </a:p>
-        </p:txBody>
-      </p:sp>
-      <p:sp>
-        <p:nvSpPr>
-          <p:cNvPr id="11" name="TextBox 10">
-            <a:extLst>
-              <a:ext uri="{FF2B5EF4-FFF2-40B4-BE49-F238E27FC236}">
-                <a16:creationId xmlns:a16="http://schemas.microsoft.com/office/drawing/2014/main" id="{39496ED3-8B19-4513-9D4E-641EA4397548}"/>
-              </a:ext>
-            </a:extLst>
-          </p:cNvPr>
-          <p:cNvSpPr txBox="1"/>
-          <p:nvPr/>
-        </p:nvSpPr>
-        <p:spPr>
-          <a:xfrm>
-            <a:off x="8676868" y="1398439"/>
-            <a:ext cx="2575849" cy="523220"/>
-          </a:xfrm>
-          <a:prstGeom prst="rect">
-            <a:avLst/>
-          </a:prstGeom>
-          <a:noFill/>
-        </p:spPr>
-        <p:txBody>
-          <a:bodyPr wrap="square" rtlCol="0">
-            <a:spAutoFit/>
-          </a:bodyPr>
-          <a:lstStyle/>
-          <a:p>
-            <a:r>
-              <a:rPr lang="en-GB" sz="2800" dirty="0"/>
-              <a:t>Service</a:t>
-            </a:r>
-            <a:r>
-              <a:rPr lang="en-GB" sz="2400" dirty="0"/>
-              <a:t> </a:t>
-            </a:r>
-            <a:r>
-              <a:rPr lang="en-GB" sz="2800" dirty="0"/>
-              <a:t>Worker</a:t>
-            </a:r>
-            <a:endParaRPr lang="en-GB" sz="2400" dirty="0"/>
-          </a:p>
-        </p:txBody>
-      </p:sp>
-      <p:cxnSp>
-        <p:nvCxnSpPr>
-          <p:cNvPr id="13" name="Straight Arrow Connector 12">
-            <a:extLst>
-              <a:ext uri="{FF2B5EF4-FFF2-40B4-BE49-F238E27FC236}">
-                <a16:creationId xmlns:a16="http://schemas.microsoft.com/office/drawing/2014/main" id="{422CB4C3-2422-46DE-A8E7-D68A0737500B}"/>
-              </a:ext>
-            </a:extLst>
-          </p:cNvPr>
-          <p:cNvCxnSpPr>
-            <a:cxnSpLocks/>
-          </p:cNvCxnSpPr>
-          <p:nvPr/>
-        </p:nvCxnSpPr>
-        <p:spPr>
-          <a:xfrm>
-            <a:off x="5137422" y="2559583"/>
-            <a:ext cx="2311934" cy="0"/>
-          </a:xfrm>
-          <a:prstGeom prst="straightConnector1">
-            <a:avLst/>
-          </a:prstGeom>
-          <a:ln w="50800">
-            <a:solidFill>
-              <a:srgbClr val="FF0000"/>
-            </a:solidFill>
-            <a:tailEnd type="triangle"/>
-          </a:ln>
-        </p:spPr>
-        <p:style>
-          <a:lnRef idx="1">
-            <a:schemeClr val="accent1"/>
-          </a:lnRef>
-          <a:fillRef idx="0">
-            <a:schemeClr val="accent1"/>
-          </a:fillRef>
-          <a:effectRef idx="0">
-            <a:schemeClr val="accent1"/>
-          </a:effectRef>
-          <a:fontRef idx="minor">
-            <a:schemeClr val="tx1"/>
-          </a:fontRef>
-        </p:style>
-      </p:cxnSp>
-      <p:cxnSp>
-        <p:nvCxnSpPr>
-          <p:cNvPr id="14" name="Straight Arrow Connector 13">
-            <a:extLst>
-              <a:ext uri="{FF2B5EF4-FFF2-40B4-BE49-F238E27FC236}">
-                <a16:creationId xmlns:a16="http://schemas.microsoft.com/office/drawing/2014/main" id="{DB7B6030-84CC-415E-A54F-9DEFFCE45420}"/>
-              </a:ext>
-            </a:extLst>
-          </p:cNvPr>
-          <p:cNvCxnSpPr>
-            <a:cxnSpLocks/>
-          </p:cNvCxnSpPr>
-          <p:nvPr/>
-        </p:nvCxnSpPr>
-        <p:spPr>
-          <a:xfrm flipH="1">
-            <a:off x="5098798" y="3309143"/>
-            <a:ext cx="2350558" cy="0"/>
-          </a:xfrm>
-          <a:prstGeom prst="straightConnector1">
-            <a:avLst/>
-          </a:prstGeom>
-          <a:ln w="50800">
-            <a:solidFill>
-              <a:srgbClr val="FF0000"/>
-            </a:solidFill>
-            <a:tailEnd type="triangle"/>
-          </a:ln>
-        </p:spPr>
-        <p:style>
-          <a:lnRef idx="1">
-            <a:schemeClr val="accent1"/>
-          </a:lnRef>
-          <a:fillRef idx="0">
-            <a:schemeClr val="accent1"/>
-          </a:fillRef>
-          <a:effectRef idx="0">
-            <a:schemeClr val="accent1"/>
-          </a:effectRef>
-          <a:fontRef idx="minor">
-            <a:schemeClr val="tx1"/>
-          </a:fontRef>
-        </p:style>
-      </p:cxnSp>
-      <p:sp>
-        <p:nvSpPr>
-          <p:cNvPr id="17" name="TextBox 16">
-            <a:extLst>
-              <a:ext uri="{FF2B5EF4-FFF2-40B4-BE49-F238E27FC236}">
-                <a16:creationId xmlns:a16="http://schemas.microsoft.com/office/drawing/2014/main" id="{1D0F21C9-6A45-4BFF-A57A-04C259A0C521}"/>
-              </a:ext>
-            </a:extLst>
-          </p:cNvPr>
-          <p:cNvSpPr txBox="1"/>
-          <p:nvPr/>
-        </p:nvSpPr>
-        <p:spPr>
-          <a:xfrm>
-            <a:off x="5137422" y="2691823"/>
-            <a:ext cx="2859833" cy="461665"/>
-          </a:xfrm>
-          <a:prstGeom prst="rect">
-            <a:avLst/>
-          </a:prstGeom>
-          <a:noFill/>
-        </p:spPr>
-        <p:txBody>
-          <a:bodyPr wrap="square" rtlCol="0">
-            <a:spAutoFit/>
-          </a:bodyPr>
-          <a:lstStyle/>
-          <a:p>
-            <a:r>
-              <a:rPr lang="en-GB" sz="2400" dirty="0"/>
-              <a:t>postMessage API</a:t>
-            </a:r>
-          </a:p>
-        </p:txBody>
-      </p:sp>
-      <p:sp>
-        <p:nvSpPr>
-          <p:cNvPr id="18" name="TextBox 17">
-            <a:extLst>
-              <a:ext uri="{FF2B5EF4-FFF2-40B4-BE49-F238E27FC236}">
-                <a16:creationId xmlns:a16="http://schemas.microsoft.com/office/drawing/2014/main" id="{928CDB87-91A6-4CC6-8887-EFE23DFF7483}"/>
-              </a:ext>
-            </a:extLst>
-          </p:cNvPr>
-          <p:cNvSpPr txBox="1"/>
-          <p:nvPr/>
-        </p:nvSpPr>
-        <p:spPr>
-          <a:xfrm>
-            <a:off x="505566" y="3048343"/>
-            <a:ext cx="4725139" cy="400110"/>
-          </a:xfrm>
-          <a:prstGeom prst="rect">
-            <a:avLst/>
-          </a:prstGeom>
-          <a:noFill/>
-        </p:spPr>
-        <p:txBody>
-          <a:bodyPr wrap="square" rtlCol="0">
-            <a:spAutoFit/>
-          </a:bodyPr>
-          <a:lstStyle/>
-          <a:p>
-            <a:r>
-              <a:rPr lang="en-GB" sz="2000" dirty="0"/>
-              <a:t>document.addEventListener(‘message’)</a:t>
-            </a:r>
-          </a:p>
-        </p:txBody>
-      </p:sp>
-      <p:sp>
-        <p:nvSpPr>
-          <p:cNvPr id="21" name="TextBox 20">
-            <a:extLst>
-              <a:ext uri="{FF2B5EF4-FFF2-40B4-BE49-F238E27FC236}">
-                <a16:creationId xmlns:a16="http://schemas.microsoft.com/office/drawing/2014/main" id="{FBE376E6-EBF2-44A6-9EB4-E12A83D32103}"/>
-              </a:ext>
-            </a:extLst>
-          </p:cNvPr>
-          <p:cNvSpPr txBox="1"/>
-          <p:nvPr/>
-        </p:nvSpPr>
-        <p:spPr>
-          <a:xfrm>
-            <a:off x="8193476" y="2373034"/>
-            <a:ext cx="3656402" cy="400110"/>
-          </a:xfrm>
-          <a:prstGeom prst="rect">
-            <a:avLst/>
-          </a:prstGeom>
-          <a:noFill/>
-        </p:spPr>
-        <p:txBody>
-          <a:bodyPr wrap="square" rtlCol="0">
-            <a:spAutoFit/>
-          </a:bodyPr>
-          <a:lstStyle/>
-          <a:p>
-            <a:r>
-              <a:rPr lang="en-GB" sz="2000" dirty="0"/>
-              <a:t>self.addEventListener(‘message’)</a:t>
-            </a:r>
-          </a:p>
-        </p:txBody>
-      </p:sp>
-      <p:sp>
-        <p:nvSpPr>
-          <p:cNvPr id="25" name="TextBox 24">
-            <a:extLst>
-              <a:ext uri="{FF2B5EF4-FFF2-40B4-BE49-F238E27FC236}">
-                <a16:creationId xmlns:a16="http://schemas.microsoft.com/office/drawing/2014/main" id="{55CE4989-63E2-4B01-BBBB-7E72FFF25190}"/>
-              </a:ext>
-            </a:extLst>
-          </p:cNvPr>
-          <p:cNvSpPr txBox="1"/>
-          <p:nvPr/>
-        </p:nvSpPr>
-        <p:spPr>
-          <a:xfrm>
-            <a:off x="905069" y="2353885"/>
-            <a:ext cx="4067905" cy="861774"/>
-          </a:xfrm>
-          <a:prstGeom prst="rect">
-            <a:avLst/>
-          </a:prstGeom>
-          <a:noFill/>
-        </p:spPr>
-        <p:txBody>
-          <a:bodyPr wrap="square" rtlCol="0">
-            <a:spAutoFit/>
-          </a:bodyPr>
-          <a:lstStyle/>
-          <a:p>
-            <a:r>
-              <a:rPr lang="en-GB" sz="3200" dirty="0"/>
-              <a:t>postMessage(msg)</a:t>
-            </a:r>
-          </a:p>
-          <a:p>
-            <a:endParaRPr lang="en-GB" dirty="0"/>
-          </a:p>
-        </p:txBody>
-      </p:sp>
-      <p:sp>
-        <p:nvSpPr>
-          <p:cNvPr id="26" name="TextBox 25">
-            <a:extLst>
-              <a:ext uri="{FF2B5EF4-FFF2-40B4-BE49-F238E27FC236}">
-                <a16:creationId xmlns:a16="http://schemas.microsoft.com/office/drawing/2014/main" id="{61340A92-8AEC-4D31-A91F-9708A6063220}"/>
-              </a:ext>
-            </a:extLst>
-          </p:cNvPr>
-          <p:cNvSpPr txBox="1"/>
-          <p:nvPr/>
-        </p:nvSpPr>
-        <p:spPr>
-          <a:xfrm>
-            <a:off x="8332237" y="2939433"/>
-            <a:ext cx="4067905" cy="861774"/>
-          </a:xfrm>
-          <a:prstGeom prst="rect">
-            <a:avLst/>
-          </a:prstGeom>
-          <a:noFill/>
-        </p:spPr>
-        <p:txBody>
-          <a:bodyPr wrap="square" rtlCol="0">
-            <a:spAutoFit/>
-          </a:bodyPr>
-          <a:lstStyle/>
-          <a:p>
-            <a:r>
-              <a:rPr lang="en-GB" sz="3200" dirty="0"/>
-              <a:t>postMessage(msg)</a:t>
-            </a:r>
-          </a:p>
-          <a:p>
-            <a:endParaRPr lang="en-GB" dirty="0"/>
+              <a:t>40s Messaging and Notifications</a:t>
+            </a:r>
+          </a:p>
+        </p:txBody>
+      </p:sp>
+      <p:sp>
+        <p:nvSpPr>
+          <p:cNvPr id="3" name="Content Placeholder 2">
+            <a:extLst>
+              <a:ext uri="{FF2B5EF4-FFF2-40B4-BE49-F238E27FC236}">
+                <a16:creationId xmlns:a16="http://schemas.microsoft.com/office/drawing/2014/main" id="{C77D8FCA-15A2-453C-BEDB-B01FF3E48151}"/>
+              </a:ext>
+            </a:extLst>
+          </p:cNvPr>
+          <p:cNvSpPr>
+            <a:spLocks noGrp="1"/>
+          </p:cNvSpPr>
+          <p:nvPr>
+            <p:ph idx="1"/>
+          </p:nvPr>
+        </p:nvSpPr>
+        <p:spPr>
+          <a:xfrm>
+            <a:off x="630283" y="1100137"/>
+            <a:ext cx="10515600" cy="5492251"/>
+          </a:xfrm>
+        </p:spPr>
+        <p:txBody>
+          <a:bodyPr/>
+          <a:lstStyle/>
+          <a:p>
+            <a:r>
+              <a:rPr lang="en-GB" dirty="0"/>
+              <a:t>NOTIFICATIONS</a:t>
+            </a:r>
+          </a:p>
+          <a:p>
+            <a:r>
+              <a:rPr lang="en-GB" dirty="0"/>
+              <a:t>An HTML5 API but it will use the underlying OS.</a:t>
+            </a:r>
+          </a:p>
+          <a:p>
+            <a:r>
+              <a:rPr lang="en-GB" dirty="0"/>
+              <a:t>We must have user permission so the first thing we do is ask for permission as we saw in the demo.</a:t>
+            </a:r>
+          </a:p>
+          <a:p>
+            <a:r>
+              <a:rPr lang="en-GB" dirty="0"/>
+              <a:t>Some browsers are starting to block apps from making requests and have an icon in URL bar indicating user intervention.</a:t>
+            </a:r>
           </a:p>
         </p:txBody>
       </p:sp>
     </p:spTree>
     <p:extLst>
       <p:ext uri="{BB962C8B-B14F-4D97-AF65-F5344CB8AC3E}">
-        <p14:creationId xmlns:p14="http://schemas.microsoft.com/office/powerpoint/2010/main" val="3087678219"/>
+        <p14:creationId xmlns:p14="http://schemas.microsoft.com/office/powerpoint/2010/main" val="2694033607"/>
       </p:ext>
     </p:extLst>
   </p:cSld>
@@ -5122,7 +4806,7 @@
                 <a:latin typeface="Segoe UI" panose="020B0502040204020203" pitchFamily="34" charset="0"/>
                 <a:cs typeface="Segoe UI" panose="020B0502040204020203" pitchFamily="34" charset="0"/>
               </a:rPr>
-              <a:t>Notifications API – HTML API</a:t>
+              <a:t>HTML Messaging API</a:t>
             </a:r>
           </a:p>
         </p:txBody>
@@ -5141,8 +4825,8 @@
         </p:nvSpPr>
         <p:spPr>
           <a:xfrm>
-            <a:off x="393019" y="1605845"/>
-            <a:ext cx="5510721" cy="4805115"/>
+            <a:off x="319628" y="2030136"/>
+            <a:ext cx="4733142" cy="3892492"/>
           </a:xfrm>
           <a:prstGeom prst="rect">
             <a:avLst/>
@@ -5196,8 +4880,8 @@
         </p:nvSpPr>
         <p:spPr>
           <a:xfrm>
-            <a:off x="8793087" y="1694855"/>
-            <a:ext cx="2687256" cy="4716103"/>
+            <a:off x="7534008" y="2030136"/>
+            <a:ext cx="4523751" cy="3892492"/>
           </a:xfrm>
           <a:prstGeom prst="rect">
             <a:avLst/>
@@ -5248,8 +4932,8 @@
         </p:nvSpPr>
         <p:spPr>
           <a:xfrm>
-            <a:off x="1611253" y="1074330"/>
-            <a:ext cx="2909268" cy="523220"/>
+            <a:off x="1058724" y="1353107"/>
+            <a:ext cx="3764959" cy="523220"/>
           </a:xfrm>
           <a:prstGeom prst="rect">
             <a:avLst/>
@@ -5264,7 +4948,15 @@
           <a:p>
             <a:r>
               <a:rPr lang="en-GB" sz="2800" dirty="0"/>
-              <a:t>PWA/Web Page</a:t>
+              <a:t>Web Page e</a:t>
+            </a:r>
+            <a:r>
+              <a:rPr lang="en-GB" sz="2800"/>
+              <a:t>.g. </a:t>
+            </a:r>
+            <a:r>
+              <a:rPr lang="en-GB" sz="2800" dirty="0"/>
+              <a:t>form.html</a:t>
             </a:r>
           </a:p>
         </p:txBody>
@@ -5283,8 +4975,8 @@
         </p:nvSpPr>
         <p:spPr>
           <a:xfrm>
-            <a:off x="8793087" y="1066493"/>
-            <a:ext cx="2792109" cy="523220"/>
+            <a:off x="8676868" y="1398439"/>
+            <a:ext cx="2575849" cy="523220"/>
           </a:xfrm>
           <a:prstGeom prst="rect">
             <a:avLst/>
@@ -5299,7 +4991,15 @@
           <a:p>
             <a:r>
               <a:rPr lang="en-GB" sz="2800" dirty="0"/>
-              <a:t>Operating System</a:t>
+              <a:t>Service</a:t>
+            </a:r>
+            <a:r>
+              <a:rPr lang="en-GB" sz="2400" dirty="0"/>
+              <a:t> </a:t>
+            </a:r>
+            <a:r>
+              <a:rPr lang="en-GB" sz="2800" dirty="0"/>
+              <a:t>Worker</a:t>
             </a:r>
             <a:endParaRPr lang="en-GB" sz="2400" dirty="0"/>
           </a:p>
@@ -5307,10 +5007,10 @@
       </p:sp>
       <p:cxnSp>
         <p:nvCxnSpPr>
-          <p:cNvPr id="14" name="Straight Arrow Connector 13">
-            <a:extLst>
-              <a:ext uri="{FF2B5EF4-FFF2-40B4-BE49-F238E27FC236}">
-                <a16:creationId xmlns:a16="http://schemas.microsoft.com/office/drawing/2014/main" id="{DB7B6030-84CC-415E-A54F-9DEFFCE45420}"/>
+          <p:cNvPr id="13" name="Straight Arrow Connector 12">
+            <a:extLst>
+              <a:ext uri="{FF2B5EF4-FFF2-40B4-BE49-F238E27FC236}">
+                <a16:creationId xmlns:a16="http://schemas.microsoft.com/office/drawing/2014/main" id="{422CB4C3-2422-46DE-A8E7-D68A0737500B}"/>
               </a:ext>
             </a:extLst>
           </p:cNvPr>
@@ -5320,9 +5020,9 @@
           <p:nvPr/>
         </p:nvCxnSpPr>
         <p:spPr>
-          <a:xfrm flipH="1">
-            <a:off x="5903740" y="3309143"/>
-            <a:ext cx="2889348" cy="0"/>
+          <a:xfrm>
+            <a:off x="5137422" y="2559583"/>
+            <a:ext cx="2311934" cy="0"/>
           </a:xfrm>
           <a:prstGeom prst="straightConnector1">
             <a:avLst/>
@@ -5349,6 +5049,50 @@
           </a:fontRef>
         </p:style>
       </p:cxnSp>
+      <p:cxnSp>
+        <p:nvCxnSpPr>
+          <p:cNvPr id="14" name="Straight Arrow Connector 13">
+            <a:extLst>
+              <a:ext uri="{FF2B5EF4-FFF2-40B4-BE49-F238E27FC236}">
+                <a16:creationId xmlns:a16="http://schemas.microsoft.com/office/drawing/2014/main" id="{DB7B6030-84CC-415E-A54F-9DEFFCE45420}"/>
+              </a:ext>
+            </a:extLst>
+          </p:cNvPr>
+          <p:cNvCxnSpPr>
+            <a:cxnSpLocks/>
+          </p:cNvCxnSpPr>
+          <p:nvPr/>
+        </p:nvCxnSpPr>
+        <p:spPr>
+          <a:xfrm flipH="1">
+            <a:off x="5098798" y="3309143"/>
+            <a:ext cx="2350558" cy="0"/>
+          </a:xfrm>
+          <a:prstGeom prst="straightConnector1">
+            <a:avLst/>
+          </a:prstGeom>
+          <a:ln w="50800">
+            <a:solidFill>
+              <a:srgbClr val="FF0000"/>
+            </a:solidFill>
+            <a:tailEnd type="triangle"/>
+          </a:ln>
+        </p:spPr>
+        <p:style>
+          <a:lnRef idx="1">
+            <a:schemeClr val="accent1"/>
+          </a:lnRef>
+          <a:fillRef idx="0">
+            <a:schemeClr val="accent1"/>
+          </a:fillRef>
+          <a:effectRef idx="0">
+            <a:schemeClr val="accent1"/>
+          </a:effectRef>
+          <a:fontRef idx="minor">
+            <a:schemeClr val="tx1"/>
+          </a:fontRef>
+        </p:style>
+      </p:cxnSp>
       <p:sp>
         <p:nvSpPr>
           <p:cNvPr id="17" name="TextBox 16">
@@ -5363,7 +5107,7 @@
         </p:nvSpPr>
         <p:spPr>
           <a:xfrm>
-            <a:off x="6096000" y="2641672"/>
+            <a:off x="5137422" y="2691823"/>
             <a:ext cx="2859833" cy="461665"/>
           </a:xfrm>
           <a:prstGeom prst="rect">
@@ -5379,17 +5123,17 @@
           <a:p>
             <a:r>
               <a:rPr lang="en-GB" sz="2400" dirty="0"/>
-              <a:t>Notifications API</a:t>
-            </a:r>
-          </a:p>
-        </p:txBody>
-      </p:sp>
-      <p:sp>
-        <p:nvSpPr>
-          <p:cNvPr id="7" name="TextBox 6">
-            <a:extLst>
-              <a:ext uri="{FF2B5EF4-FFF2-40B4-BE49-F238E27FC236}">
-                <a16:creationId xmlns:a16="http://schemas.microsoft.com/office/drawing/2014/main" id="{2A45140B-58FA-4E9B-9271-67EB5AD0AA32}"/>
+              <a:t>postMessage API</a:t>
+            </a:r>
+          </a:p>
+        </p:txBody>
+      </p:sp>
+      <p:sp>
+        <p:nvSpPr>
+          <p:cNvPr id="18" name="TextBox 17">
+            <a:extLst>
+              <a:ext uri="{FF2B5EF4-FFF2-40B4-BE49-F238E27FC236}">
+                <a16:creationId xmlns:a16="http://schemas.microsoft.com/office/drawing/2014/main" id="{928CDB87-91A6-4CC6-8887-EFE23DFF7483}"/>
               </a:ext>
             </a:extLst>
           </p:cNvPr>
@@ -5398,8 +5142,8 @@
         </p:nvSpPr>
         <p:spPr>
           <a:xfrm>
-            <a:off x="678672" y="1694855"/>
-            <a:ext cx="4999823" cy="4401205"/>
+            <a:off x="505566" y="3048343"/>
+            <a:ext cx="4725139" cy="400110"/>
           </a:xfrm>
           <a:prstGeom prst="rect">
             <a:avLst/>
@@ -5413,96 +5157,127 @@
           <a:lstStyle/>
           <a:p>
             <a:r>
-              <a:rPr lang="en-GB" sz="2000" dirty="0">
-                <a:latin typeface="Segoe UI Light" panose="020B0502040204020203" pitchFamily="34" charset="0"/>
-                <a:cs typeface="Segoe UI Light" panose="020B0502040204020203" pitchFamily="34" charset="0"/>
-              </a:rPr>
-              <a:t>Get permission from user to display notifications - a Web API</a:t>
-            </a:r>
-          </a:p>
-          <a:p>
-            <a:pPr marL="342900" indent="-342900">
-              <a:buAutoNum type="arabicPeriod"/>
-            </a:pPr>
-            <a:r>
-              <a:rPr lang="en-GB" sz="2000" dirty="0">
-                <a:latin typeface="Segoe UI Light" panose="020B0502040204020203" pitchFamily="34" charset="0"/>
-                <a:cs typeface="Segoe UI Light" panose="020B0502040204020203" pitchFamily="34" charset="0"/>
-              </a:rPr>
-              <a:t>GRANTED/DENIED/DEFAULT</a:t>
-            </a:r>
-          </a:p>
-          <a:p>
-            <a:pPr marL="342900" indent="-342900">
-              <a:buAutoNum type="arabicPeriod"/>
-            </a:pPr>
-            <a:r>
-              <a:rPr lang="en-GB" sz="2000" dirty="0">
-                <a:latin typeface="Segoe UI Light" panose="020B0502040204020203" pitchFamily="34" charset="0"/>
-                <a:cs typeface="Segoe UI Light" panose="020B0502040204020203" pitchFamily="34" charset="0"/>
-              </a:rPr>
-              <a:t>Once denied we cannot ask again, so ask at the right time.</a:t>
-            </a:r>
-          </a:p>
-          <a:p>
-            <a:pPr marL="342900" indent="-342900">
-              <a:buAutoNum type="arabicPeriod"/>
-            </a:pPr>
-            <a:r>
-              <a:rPr lang="en-GB" sz="2000" dirty="0">
-                <a:latin typeface="Segoe UI Light" panose="020B0502040204020203" pitchFamily="34" charset="0"/>
-                <a:cs typeface="Segoe UI Light" panose="020B0502040204020203" pitchFamily="34" charset="0"/>
-              </a:rPr>
-              <a:t>showNotification(title, options) is the most basic of notifications.</a:t>
-            </a:r>
-          </a:p>
-          <a:p>
-            <a:pPr marL="342900" indent="-342900">
-              <a:buAutoNum type="arabicPeriod"/>
-            </a:pPr>
-            <a:r>
-              <a:rPr lang="en-GB" sz="2000" dirty="0">
-                <a:latin typeface="Segoe UI Light" panose="020B0502040204020203" pitchFamily="34" charset="0"/>
-                <a:cs typeface="Segoe UI Light" panose="020B0502040204020203" pitchFamily="34" charset="0"/>
-              </a:rPr>
-              <a:t>We have seen a demo of this previously but we can see it again.</a:t>
-            </a:r>
-          </a:p>
-          <a:p>
-            <a:pPr marL="342900" indent="-342900">
-              <a:buAutoNum type="arabicPeriod"/>
-            </a:pPr>
-            <a:r>
-              <a:rPr lang="en-GB" sz="2000" dirty="0">
-                <a:latin typeface="Segoe UI Light" panose="020B0502040204020203" pitchFamily="34" charset="0"/>
-                <a:cs typeface="Segoe UI Light" panose="020B0502040204020203" pitchFamily="34" charset="0"/>
-              </a:rPr>
-              <a:t>There is a great site with examples and code for a great range of notifications…</a:t>
-            </a:r>
-          </a:p>
-          <a:p>
-            <a:pPr marL="342900" indent="-342900">
-              <a:buAutoNum type="arabicPeriod"/>
-            </a:pPr>
-            <a:r>
-              <a:rPr lang="en-GB" sz="2000" dirty="0">
-                <a:latin typeface="Segoe UI Light" panose="020B0502040204020203" pitchFamily="34" charset="0"/>
-                <a:cs typeface="Segoe UI Light" panose="020B0502040204020203" pitchFamily="34" charset="0"/>
-                <a:hlinkClick r:id="rId2"/>
-              </a:rPr>
-              <a:t>https://web-push-book.gauntface.com/demos/notification-examples/</a:t>
-            </a:r>
-            <a:endParaRPr lang="en-GB" sz="2000" dirty="0">
-              <a:latin typeface="Segoe UI Light" panose="020B0502040204020203" pitchFamily="34" charset="0"/>
-              <a:cs typeface="Segoe UI Light" panose="020B0502040204020203" pitchFamily="34" charset="0"/>
-            </a:endParaRPr>
+              <a:rPr lang="en-GB" sz="2000" dirty="0"/>
+              <a:t>document.addEventListener(‘message’)</a:t>
+            </a:r>
+          </a:p>
+        </p:txBody>
+      </p:sp>
+      <p:sp>
+        <p:nvSpPr>
+          <p:cNvPr id="21" name="TextBox 20">
+            <a:extLst>
+              <a:ext uri="{FF2B5EF4-FFF2-40B4-BE49-F238E27FC236}">
+                <a16:creationId xmlns:a16="http://schemas.microsoft.com/office/drawing/2014/main" id="{FBE376E6-EBF2-44A6-9EB4-E12A83D32103}"/>
+              </a:ext>
+            </a:extLst>
+          </p:cNvPr>
+          <p:cNvSpPr txBox="1"/>
+          <p:nvPr/>
+        </p:nvSpPr>
+        <p:spPr>
+          <a:xfrm>
+            <a:off x="8193476" y="2373034"/>
+            <a:ext cx="3656402" cy="400110"/>
+          </a:xfrm>
+          <a:prstGeom prst="rect">
+            <a:avLst/>
+          </a:prstGeom>
+          <a:noFill/>
+        </p:spPr>
+        <p:txBody>
+          <a:bodyPr wrap="square" rtlCol="0">
+            <a:spAutoFit/>
+          </a:bodyPr>
+          <a:lstStyle/>
+          <a:p>
+            <a:r>
+              <a:rPr lang="en-GB" sz="2000" dirty="0"/>
+              <a:t>self.addEventListener(‘message’)</a:t>
+            </a:r>
+          </a:p>
+        </p:txBody>
+      </p:sp>
+      <p:sp>
+        <p:nvSpPr>
+          <p:cNvPr id="25" name="TextBox 24">
+            <a:extLst>
+              <a:ext uri="{FF2B5EF4-FFF2-40B4-BE49-F238E27FC236}">
+                <a16:creationId xmlns:a16="http://schemas.microsoft.com/office/drawing/2014/main" id="{55CE4989-63E2-4B01-BBBB-7E72FFF25190}"/>
+              </a:ext>
+            </a:extLst>
+          </p:cNvPr>
+          <p:cNvSpPr txBox="1"/>
+          <p:nvPr/>
+        </p:nvSpPr>
+        <p:spPr>
+          <a:xfrm>
+            <a:off x="905069" y="2353885"/>
+            <a:ext cx="4067905" cy="861774"/>
+          </a:xfrm>
+          <a:prstGeom prst="rect">
+            <a:avLst/>
+          </a:prstGeom>
+          <a:noFill/>
+        </p:spPr>
+        <p:txBody>
+          <a:bodyPr wrap="square" rtlCol="0">
+            <a:spAutoFit/>
+          </a:bodyPr>
+          <a:lstStyle/>
+          <a:p>
+            <a:r>
+              <a:rPr lang="en-GB" sz="3200" dirty="0"/>
+              <a:t>postMessage(msg)</a:t>
+            </a:r>
+          </a:p>
+          <a:p>
+            <a:endParaRPr lang="en-GB" dirty="0"/>
+          </a:p>
+        </p:txBody>
+      </p:sp>
+      <p:sp>
+        <p:nvSpPr>
+          <p:cNvPr id="26" name="TextBox 25">
+            <a:extLst>
+              <a:ext uri="{FF2B5EF4-FFF2-40B4-BE49-F238E27FC236}">
+                <a16:creationId xmlns:a16="http://schemas.microsoft.com/office/drawing/2014/main" id="{61340A92-8AEC-4D31-A91F-9708A6063220}"/>
+              </a:ext>
+            </a:extLst>
+          </p:cNvPr>
+          <p:cNvSpPr txBox="1"/>
+          <p:nvPr/>
+        </p:nvSpPr>
+        <p:spPr>
+          <a:xfrm>
+            <a:off x="8332237" y="2939433"/>
+            <a:ext cx="4067905" cy="861774"/>
+          </a:xfrm>
+          <a:prstGeom prst="rect">
+            <a:avLst/>
+          </a:prstGeom>
+          <a:noFill/>
+        </p:spPr>
+        <p:txBody>
+          <a:bodyPr wrap="square" rtlCol="0">
+            <a:spAutoFit/>
+          </a:bodyPr>
+          <a:lstStyle/>
+          <a:p>
+            <a:r>
+              <a:rPr lang="en-GB" sz="3200" dirty="0"/>
+              <a:t>postMessage(msg)</a:t>
+            </a:r>
+          </a:p>
+          <a:p>
+            <a:endParaRPr lang="en-GB" dirty="0"/>
           </a:p>
         </p:txBody>
       </p:sp>
     </p:spTree>
     <p:extLst>
       <p:ext uri="{BB962C8B-B14F-4D97-AF65-F5344CB8AC3E}">
-        <p14:creationId xmlns:p14="http://schemas.microsoft.com/office/powerpoint/2010/main" val="2454685759"/>
+        <p14:creationId xmlns:p14="http://schemas.microsoft.com/office/powerpoint/2010/main" val="3087678219"/>
       </p:ext>
     </p:extLst>
   </p:cSld>
@@ -5563,6 +5338,447 @@
                 <a:latin typeface="Segoe UI" panose="020B0502040204020203" pitchFamily="34" charset="0"/>
                 <a:cs typeface="Segoe UI" panose="020B0502040204020203" pitchFamily="34" charset="0"/>
               </a:rPr>
+              <a:t>Notifications API – HTML API</a:t>
+            </a:r>
+          </a:p>
+        </p:txBody>
+      </p:sp>
+      <p:sp>
+        <p:nvSpPr>
+          <p:cNvPr id="5" name="Rectangle 4">
+            <a:extLst>
+              <a:ext uri="{FF2B5EF4-FFF2-40B4-BE49-F238E27FC236}">
+                <a16:creationId xmlns:a16="http://schemas.microsoft.com/office/drawing/2014/main" id="{EC2F18B1-537B-4C32-9F1A-C3A0B97C8EC8}"/>
+              </a:ext>
+            </a:extLst>
+          </p:cNvPr>
+          <p:cNvSpPr/>
+          <p:nvPr/>
+        </p:nvSpPr>
+        <p:spPr>
+          <a:xfrm>
+            <a:off x="393019" y="1605845"/>
+            <a:ext cx="5510721" cy="4805115"/>
+          </a:xfrm>
+          <a:prstGeom prst="rect">
+            <a:avLst/>
+          </a:prstGeom>
+          <a:solidFill>
+            <a:schemeClr val="accent6">
+              <a:lumMod val="40000"/>
+              <a:lumOff val="60000"/>
+            </a:schemeClr>
+          </a:solidFill>
+        </p:spPr>
+        <p:style>
+          <a:lnRef idx="2">
+            <a:schemeClr val="accent1">
+              <a:shade val="50000"/>
+            </a:schemeClr>
+          </a:lnRef>
+          <a:fillRef idx="1">
+            <a:schemeClr val="accent1"/>
+          </a:fillRef>
+          <a:effectRef idx="0">
+            <a:schemeClr val="accent1"/>
+          </a:effectRef>
+          <a:fontRef idx="minor">
+            <a:schemeClr val="lt1"/>
+          </a:fontRef>
+        </p:style>
+        <p:txBody>
+          <a:bodyPr rtlCol="0" anchor="ctr"/>
+          <a:lstStyle/>
+          <a:p>
+            <a:pPr algn="ctr"/>
+            <a:r>
+              <a:rPr lang="en-GB" dirty="0"/>
+              <a:t> </a:t>
+            </a:r>
+          </a:p>
+        </p:txBody>
+      </p:sp>
+      <p:sp>
+        <p:nvSpPr>
+          <p:cNvPr id="8" name="Rectangle 7">
+            <a:extLst>
+              <a:ext uri="{FF2B5EF4-FFF2-40B4-BE49-F238E27FC236}">
+                <a16:creationId xmlns:a16="http://schemas.microsoft.com/office/drawing/2014/main" id="{41307C67-57CE-4A82-832C-BB6A4C043A11}"/>
+              </a:ext>
+            </a:extLst>
+          </p:cNvPr>
+          <p:cNvSpPr/>
+          <p:nvPr/>
+        </p:nvSpPr>
+        <p:spPr>
+          <a:xfrm>
+            <a:off x="8793087" y="1694855"/>
+            <a:ext cx="2687256" cy="4716103"/>
+          </a:xfrm>
+          <a:prstGeom prst="rect">
+            <a:avLst/>
+          </a:prstGeom>
+          <a:solidFill>
+            <a:schemeClr val="accent4">
+              <a:lumMod val="40000"/>
+              <a:lumOff val="60000"/>
+            </a:schemeClr>
+          </a:solidFill>
+        </p:spPr>
+        <p:style>
+          <a:lnRef idx="2">
+            <a:schemeClr val="accent1">
+              <a:shade val="50000"/>
+            </a:schemeClr>
+          </a:lnRef>
+          <a:fillRef idx="1">
+            <a:schemeClr val="accent1"/>
+          </a:fillRef>
+          <a:effectRef idx="0">
+            <a:schemeClr val="accent1"/>
+          </a:effectRef>
+          <a:fontRef idx="minor">
+            <a:schemeClr val="lt1"/>
+          </a:fontRef>
+        </p:style>
+        <p:txBody>
+          <a:bodyPr rtlCol="0" anchor="ctr"/>
+          <a:lstStyle/>
+          <a:p>
+            <a:pPr algn="ctr"/>
+            <a:endParaRPr lang="en-GB" dirty="0"/>
+          </a:p>
+        </p:txBody>
+      </p:sp>
+      <p:sp>
+        <p:nvSpPr>
+          <p:cNvPr id="6" name="TextBox 5">
+            <a:extLst>
+              <a:ext uri="{FF2B5EF4-FFF2-40B4-BE49-F238E27FC236}">
+                <a16:creationId xmlns:a16="http://schemas.microsoft.com/office/drawing/2014/main" id="{5C36D17C-2F88-4BB9-B784-D0E080E9D69D}"/>
+              </a:ext>
+            </a:extLst>
+          </p:cNvPr>
+          <p:cNvSpPr txBox="1"/>
+          <p:nvPr/>
+        </p:nvSpPr>
+        <p:spPr>
+          <a:xfrm>
+            <a:off x="1611253" y="1074330"/>
+            <a:ext cx="2909268" cy="523220"/>
+          </a:xfrm>
+          <a:prstGeom prst="rect">
+            <a:avLst/>
+          </a:prstGeom>
+          <a:noFill/>
+        </p:spPr>
+        <p:txBody>
+          <a:bodyPr wrap="square" rtlCol="0">
+            <a:spAutoFit/>
+          </a:bodyPr>
+          <a:lstStyle/>
+          <a:p>
+            <a:r>
+              <a:rPr lang="en-GB" sz="2800" dirty="0"/>
+              <a:t>PWA/Web Page</a:t>
+            </a:r>
+          </a:p>
+        </p:txBody>
+      </p:sp>
+      <p:sp>
+        <p:nvSpPr>
+          <p:cNvPr id="11" name="TextBox 10">
+            <a:extLst>
+              <a:ext uri="{FF2B5EF4-FFF2-40B4-BE49-F238E27FC236}">
+                <a16:creationId xmlns:a16="http://schemas.microsoft.com/office/drawing/2014/main" id="{39496ED3-8B19-4513-9D4E-641EA4397548}"/>
+              </a:ext>
+            </a:extLst>
+          </p:cNvPr>
+          <p:cNvSpPr txBox="1"/>
+          <p:nvPr/>
+        </p:nvSpPr>
+        <p:spPr>
+          <a:xfrm>
+            <a:off x="8793087" y="1066493"/>
+            <a:ext cx="2792109" cy="523220"/>
+          </a:xfrm>
+          <a:prstGeom prst="rect">
+            <a:avLst/>
+          </a:prstGeom>
+          <a:noFill/>
+        </p:spPr>
+        <p:txBody>
+          <a:bodyPr wrap="square" rtlCol="0">
+            <a:spAutoFit/>
+          </a:bodyPr>
+          <a:lstStyle/>
+          <a:p>
+            <a:r>
+              <a:rPr lang="en-GB" sz="2800" dirty="0"/>
+              <a:t>Operating System</a:t>
+            </a:r>
+            <a:endParaRPr lang="en-GB" sz="2400" dirty="0"/>
+          </a:p>
+        </p:txBody>
+      </p:sp>
+      <p:cxnSp>
+        <p:nvCxnSpPr>
+          <p:cNvPr id="14" name="Straight Arrow Connector 13">
+            <a:extLst>
+              <a:ext uri="{FF2B5EF4-FFF2-40B4-BE49-F238E27FC236}">
+                <a16:creationId xmlns:a16="http://schemas.microsoft.com/office/drawing/2014/main" id="{DB7B6030-84CC-415E-A54F-9DEFFCE45420}"/>
+              </a:ext>
+            </a:extLst>
+          </p:cNvPr>
+          <p:cNvCxnSpPr>
+            <a:cxnSpLocks/>
+          </p:cNvCxnSpPr>
+          <p:nvPr/>
+        </p:nvCxnSpPr>
+        <p:spPr>
+          <a:xfrm flipH="1">
+            <a:off x="5903740" y="3309143"/>
+            <a:ext cx="2889348" cy="0"/>
+          </a:xfrm>
+          <a:prstGeom prst="straightConnector1">
+            <a:avLst/>
+          </a:prstGeom>
+          <a:ln w="50800">
+            <a:solidFill>
+              <a:srgbClr val="FF0000"/>
+            </a:solidFill>
+            <a:tailEnd type="triangle"/>
+          </a:ln>
+        </p:spPr>
+        <p:style>
+          <a:lnRef idx="1">
+            <a:schemeClr val="accent1"/>
+          </a:lnRef>
+          <a:fillRef idx="0">
+            <a:schemeClr val="accent1"/>
+          </a:fillRef>
+          <a:effectRef idx="0">
+            <a:schemeClr val="accent1"/>
+          </a:effectRef>
+          <a:fontRef idx="minor">
+            <a:schemeClr val="tx1"/>
+          </a:fontRef>
+        </p:style>
+      </p:cxnSp>
+      <p:sp>
+        <p:nvSpPr>
+          <p:cNvPr id="17" name="TextBox 16">
+            <a:extLst>
+              <a:ext uri="{FF2B5EF4-FFF2-40B4-BE49-F238E27FC236}">
+                <a16:creationId xmlns:a16="http://schemas.microsoft.com/office/drawing/2014/main" id="{1D0F21C9-6A45-4BFF-A57A-04C259A0C521}"/>
+              </a:ext>
+            </a:extLst>
+          </p:cNvPr>
+          <p:cNvSpPr txBox="1"/>
+          <p:nvPr/>
+        </p:nvSpPr>
+        <p:spPr>
+          <a:xfrm>
+            <a:off x="6096000" y="2641672"/>
+            <a:ext cx="2859833" cy="461665"/>
+          </a:xfrm>
+          <a:prstGeom prst="rect">
+            <a:avLst/>
+          </a:prstGeom>
+          <a:noFill/>
+        </p:spPr>
+        <p:txBody>
+          <a:bodyPr wrap="square" rtlCol="0">
+            <a:spAutoFit/>
+          </a:bodyPr>
+          <a:lstStyle/>
+          <a:p>
+            <a:r>
+              <a:rPr lang="en-GB" sz="2400" dirty="0"/>
+              <a:t>Notifications API</a:t>
+            </a:r>
+          </a:p>
+        </p:txBody>
+      </p:sp>
+      <p:sp>
+        <p:nvSpPr>
+          <p:cNvPr id="7" name="TextBox 6">
+            <a:extLst>
+              <a:ext uri="{FF2B5EF4-FFF2-40B4-BE49-F238E27FC236}">
+                <a16:creationId xmlns:a16="http://schemas.microsoft.com/office/drawing/2014/main" id="{2A45140B-58FA-4E9B-9271-67EB5AD0AA32}"/>
+              </a:ext>
+            </a:extLst>
+          </p:cNvPr>
+          <p:cNvSpPr txBox="1"/>
+          <p:nvPr/>
+        </p:nvSpPr>
+        <p:spPr>
+          <a:xfrm>
+            <a:off x="678672" y="1694855"/>
+            <a:ext cx="4999823" cy="4401205"/>
+          </a:xfrm>
+          <a:prstGeom prst="rect">
+            <a:avLst/>
+          </a:prstGeom>
+          <a:noFill/>
+        </p:spPr>
+        <p:txBody>
+          <a:bodyPr wrap="square" rtlCol="0">
+            <a:spAutoFit/>
+          </a:bodyPr>
+          <a:lstStyle/>
+          <a:p>
+            <a:r>
+              <a:rPr lang="en-GB" sz="2000" dirty="0">
+                <a:latin typeface="Segoe UI Light" panose="020B0502040204020203" pitchFamily="34" charset="0"/>
+                <a:cs typeface="Segoe UI Light" panose="020B0502040204020203" pitchFamily="34" charset="0"/>
+              </a:rPr>
+              <a:t>Get permission from user to display notifications - a Web API</a:t>
+            </a:r>
+          </a:p>
+          <a:p>
+            <a:pPr marL="342900" indent="-342900">
+              <a:buAutoNum type="arabicPeriod"/>
+            </a:pPr>
+            <a:r>
+              <a:rPr lang="en-GB" sz="2000" dirty="0">
+                <a:latin typeface="Segoe UI Light" panose="020B0502040204020203" pitchFamily="34" charset="0"/>
+                <a:cs typeface="Segoe UI Light" panose="020B0502040204020203" pitchFamily="34" charset="0"/>
+              </a:rPr>
+              <a:t>GRANTED/DENIED/DEFAULT</a:t>
+            </a:r>
+          </a:p>
+          <a:p>
+            <a:pPr marL="342900" indent="-342900">
+              <a:buAutoNum type="arabicPeriod"/>
+            </a:pPr>
+            <a:r>
+              <a:rPr lang="en-GB" sz="2000" dirty="0">
+                <a:latin typeface="Segoe UI Light" panose="020B0502040204020203" pitchFamily="34" charset="0"/>
+                <a:cs typeface="Segoe UI Light" panose="020B0502040204020203" pitchFamily="34" charset="0"/>
+              </a:rPr>
+              <a:t>Once denied we cannot ask again, so ask at the right time.</a:t>
+            </a:r>
+          </a:p>
+          <a:p>
+            <a:pPr marL="342900" indent="-342900">
+              <a:buAutoNum type="arabicPeriod"/>
+            </a:pPr>
+            <a:r>
+              <a:rPr lang="en-GB" sz="2000" dirty="0">
+                <a:latin typeface="Segoe UI Light" panose="020B0502040204020203" pitchFamily="34" charset="0"/>
+                <a:cs typeface="Segoe UI Light" panose="020B0502040204020203" pitchFamily="34" charset="0"/>
+              </a:rPr>
+              <a:t>showNotification(title, options) is the most basic of notifications.</a:t>
+            </a:r>
+          </a:p>
+          <a:p>
+            <a:pPr marL="342900" indent="-342900">
+              <a:buAutoNum type="arabicPeriod"/>
+            </a:pPr>
+            <a:r>
+              <a:rPr lang="en-GB" sz="2000" dirty="0">
+                <a:latin typeface="Segoe UI Light" panose="020B0502040204020203" pitchFamily="34" charset="0"/>
+                <a:cs typeface="Segoe UI Light" panose="020B0502040204020203" pitchFamily="34" charset="0"/>
+              </a:rPr>
+              <a:t>We have seen a demo of this previously but we can see it again.</a:t>
+            </a:r>
+          </a:p>
+          <a:p>
+            <a:pPr marL="342900" indent="-342900">
+              <a:buAutoNum type="arabicPeriod"/>
+            </a:pPr>
+            <a:r>
+              <a:rPr lang="en-GB" sz="2000" dirty="0">
+                <a:latin typeface="Segoe UI Light" panose="020B0502040204020203" pitchFamily="34" charset="0"/>
+                <a:cs typeface="Segoe UI Light" panose="020B0502040204020203" pitchFamily="34" charset="0"/>
+              </a:rPr>
+              <a:t>There is a great site with examples and code for a great range of notifications…</a:t>
+            </a:r>
+          </a:p>
+          <a:p>
+            <a:pPr marL="342900" indent="-342900">
+              <a:buAutoNum type="arabicPeriod"/>
+            </a:pPr>
+            <a:r>
+              <a:rPr lang="en-GB" sz="2000" dirty="0">
+                <a:latin typeface="Segoe UI Light" panose="020B0502040204020203" pitchFamily="34" charset="0"/>
+                <a:cs typeface="Segoe UI Light" panose="020B0502040204020203" pitchFamily="34" charset="0"/>
+                <a:hlinkClick r:id="rId2"/>
+              </a:rPr>
+              <a:t>https://web-push-book.gauntface.com/demos/notification-examples/</a:t>
+            </a:r>
+            <a:endParaRPr lang="en-GB" sz="2000" dirty="0">
+              <a:latin typeface="Segoe UI Light" panose="020B0502040204020203" pitchFamily="34" charset="0"/>
+              <a:cs typeface="Segoe UI Light" panose="020B0502040204020203" pitchFamily="34" charset="0"/>
+            </a:endParaRPr>
+          </a:p>
+        </p:txBody>
+      </p:sp>
+    </p:spTree>
+    <p:extLst>
+      <p:ext uri="{BB962C8B-B14F-4D97-AF65-F5344CB8AC3E}">
+        <p14:creationId xmlns:p14="http://schemas.microsoft.com/office/powerpoint/2010/main" val="2454685759"/>
+      </p:ext>
+    </p:extLst>
+  </p:cSld>
+  <p:clrMapOvr>
+    <a:masterClrMapping/>
+  </p:clrMapOvr>
+</p:sld>
+</file>
+
+<file path=ppt/slides/slide18.xml><?xml version="1.0" encoding="utf-8"?>
+<p:sld xmlns:a="http://schemas.openxmlformats.org/drawingml/2006/main" xmlns:r="http://schemas.openxmlformats.org/officeDocument/2006/relationships" xmlns:p="http://schemas.openxmlformats.org/presentationml/2006/main">
+  <p:cSld>
+    <p:spTree>
+      <p:nvGrpSpPr>
+        <p:cNvPr id="1" name=""/>
+        <p:cNvGrpSpPr/>
+        <p:nvPr/>
+      </p:nvGrpSpPr>
+      <p:grpSpPr>
+        <a:xfrm>
+          <a:off x="0" y="0"/>
+          <a:ext cx="0" cy="0"/>
+          <a:chOff x="0" y="0"/>
+          <a:chExt cx="0" cy="0"/>
+        </a:xfrm>
+      </p:grpSpPr>
+      <p:sp>
+        <p:nvSpPr>
+          <p:cNvPr id="2" name="Title 1">
+            <a:extLst>
+              <a:ext uri="{FF2B5EF4-FFF2-40B4-BE49-F238E27FC236}">
+                <a16:creationId xmlns:a16="http://schemas.microsoft.com/office/drawing/2014/main" id="{AEEF7F24-C545-4AC7-A077-BE03EDD20C5D}"/>
+              </a:ext>
+            </a:extLst>
+          </p:cNvPr>
+          <p:cNvSpPr>
+            <a:spLocks noGrp="1"/>
+          </p:cNvSpPr>
+          <p:nvPr>
+            <p:ph type="title"/>
+          </p:nvPr>
+        </p:nvSpPr>
+        <p:spPr>
+          <a:xfrm>
+            <a:off x="838200" y="247679"/>
+            <a:ext cx="10515600" cy="901613"/>
+          </a:xfrm>
+        </p:spPr>
+        <p:txBody>
+          <a:bodyPr>
+            <a:normAutofit/>
+          </a:bodyPr>
+          <a:lstStyle/>
+          <a:p>
+            <a:pPr algn="ctr"/>
+            <a:r>
+              <a:rPr lang="en-GB" sz="5400" b="1" dirty="0">
+                <a:latin typeface="Segoe UI" panose="020B0502040204020203" pitchFamily="34" charset="0"/>
+                <a:cs typeface="Segoe UI" panose="020B0502040204020203" pitchFamily="34" charset="0"/>
+              </a:rPr>
               <a:t>Offline Form Submission</a:t>
             </a:r>
           </a:p>
@@ -5821,7 +6037,7 @@
 </p:sld>
 </file>
 
-<file path=ppt/slides/slide18.xml><?xml version="1.0" encoding="utf-8"?>
+<file path=ppt/slides/slide19.xml><?xml version="1.0" encoding="utf-8"?>
 <p:sld xmlns:a="http://schemas.openxmlformats.org/drawingml/2006/main" xmlns:r="http://schemas.openxmlformats.org/officeDocument/2006/relationships" xmlns:p="http://schemas.openxmlformats.org/presentationml/2006/main">
   <p:cSld>
     <p:bg>
@@ -6956,45 +7172,131 @@
           <a:chExt cx="0" cy="0"/>
         </a:xfrm>
       </p:grpSpPr>
-      <p:pic>
-        <p:nvPicPr>
-          <p:cNvPr id="7" name="Content Placeholder 6" descr="Graphical user interface, text, application, Word&#10;&#10;Description automatically generated">
-            <a:extLst>
-              <a:ext uri="{FF2B5EF4-FFF2-40B4-BE49-F238E27FC236}">
-                <a16:creationId xmlns:a16="http://schemas.microsoft.com/office/drawing/2014/main" id="{45B8DF5E-61B2-4D61-8671-DDB46D182DC5}"/>
-              </a:ext>
-            </a:extLst>
-          </p:cNvPr>
-          <p:cNvPicPr>
-            <a:picLocks noGrp="1" noChangeAspect="1"/>
-          </p:cNvPicPr>
+      <p:sp>
+        <p:nvSpPr>
+          <p:cNvPr id="2" name="Title 1">
+            <a:extLst>
+              <a:ext uri="{FF2B5EF4-FFF2-40B4-BE49-F238E27FC236}">
+                <a16:creationId xmlns:a16="http://schemas.microsoft.com/office/drawing/2014/main" id="{81769C98-962F-4C3A-B575-99BB0A9C6763}"/>
+              </a:ext>
+            </a:extLst>
+          </p:cNvPr>
+          <p:cNvSpPr>
+            <a:spLocks noGrp="1"/>
+          </p:cNvSpPr>
+          <p:nvPr>
+            <p:ph type="title"/>
+          </p:nvPr>
+        </p:nvSpPr>
+        <p:spPr>
+          <a:xfrm>
+            <a:off x="986828" y="364465"/>
+            <a:ext cx="10515600" cy="892835"/>
+          </a:xfrm>
+        </p:spPr>
+        <p:txBody>
+          <a:bodyPr>
+            <a:noAutofit/>
+          </a:bodyPr>
+          <a:lstStyle/>
+          <a:p>
+            <a:pPr algn="ctr"/>
+            <a:r>
+              <a:rPr lang="en-GB" sz="6600" dirty="0"/>
+              <a:t>Demo site and resources</a:t>
+            </a:r>
+          </a:p>
+        </p:txBody>
+      </p:sp>
+      <p:sp>
+        <p:nvSpPr>
+          <p:cNvPr id="3" name="Content Placeholder 2">
+            <a:extLst>
+              <a:ext uri="{FF2B5EF4-FFF2-40B4-BE49-F238E27FC236}">
+                <a16:creationId xmlns:a16="http://schemas.microsoft.com/office/drawing/2014/main" id="{C77D8FCA-15A2-453C-BEDB-B01FF3E48151}"/>
+              </a:ext>
+            </a:extLst>
+          </p:cNvPr>
+          <p:cNvSpPr>
+            <a:spLocks noGrp="1"/>
+          </p:cNvSpPr>
           <p:nvPr>
             <p:ph idx="1"/>
           </p:nvPr>
-        </p:nvPicPr>
-        <p:blipFill>
-          <a:blip r:embed="rId2">
-            <a:extLst>
-              <a:ext uri="{28A0092B-C50C-407E-A947-70E740481C1C}">
-                <a14:useLocalDpi xmlns:a14="http://schemas.microsoft.com/office/drawing/2010/main" val="0"/>
-              </a:ext>
-            </a:extLst>
-          </a:blip>
-          <a:stretch>
-            <a:fillRect/>
-          </a:stretch>
-        </p:blipFill>
-        <p:spPr>
-          <a:xfrm>
-            <a:off x="1988853" y="458457"/>
-            <a:ext cx="8214293" cy="5898090"/>
-          </a:xfrm>
-        </p:spPr>
-      </p:pic>
+        </p:nvSpPr>
+        <p:spPr>
+          <a:xfrm>
+            <a:off x="838200" y="1578156"/>
+            <a:ext cx="10515600" cy="3701688"/>
+          </a:xfrm>
+        </p:spPr>
+        <p:txBody>
+          <a:bodyPr>
+            <a:noAutofit/>
+          </a:bodyPr>
+          <a:lstStyle/>
+          <a:p>
+            <a:pPr lvl="1" algn="ctr"/>
+            <a:endParaRPr lang="en-GB" sz="8800" dirty="0">
+              <a:solidFill>
+                <a:schemeClr val="bg1"/>
+              </a:solidFill>
+              <a:latin typeface="Avenir Next LT Pro" panose="020B0504020202020204" pitchFamily="34" charset="0"/>
+              <a:hlinkClick r:id="rId2">
+                <a:extLst>
+                  <a:ext uri="{A12FA001-AC4F-418D-AE19-62706E023703}">
+                    <ahyp:hlinkClr xmlns:ahyp="http://schemas.microsoft.com/office/drawing/2018/hyperlinkcolor" val="tx"/>
+                  </a:ext>
+                </a:extLst>
+              </a:hlinkClick>
+            </a:endParaRPr>
+          </a:p>
+          <a:p>
+            <a:pPr lvl="1" algn="ctr"/>
+            <a:r>
+              <a:rPr lang="en-GB" sz="8800" u="sng" dirty="0">
+                <a:solidFill>
+                  <a:schemeClr val="bg1"/>
+                </a:solidFill>
+                <a:latin typeface="Avenir Next LT Pro" panose="020B0504020202020204" pitchFamily="34" charset="0"/>
+                <a:hlinkClick r:id="rId2">
+                  <a:extLst>
+                    <a:ext uri="{A12FA001-AC4F-418D-AE19-62706E023703}">
+                      <ahyp:hlinkClr xmlns:ahyp="http://schemas.microsoft.com/office/drawing/2018/hyperlinkcolor" val="tx"/>
+                    </a:ext>
+                  </a:extLst>
+                </a:hlinkClick>
+              </a:rPr>
+              <a:t>wpjs.co.uk/asyncjs </a:t>
+            </a:r>
+            <a:endParaRPr lang="en-GB" sz="8800" u="sng" dirty="0">
+              <a:solidFill>
+                <a:schemeClr val="bg1"/>
+              </a:solidFill>
+              <a:latin typeface="Avenir Next LT Pro" panose="020B0504020202020204" pitchFamily="34" charset="0"/>
+            </a:endParaRPr>
+          </a:p>
+          <a:p>
+            <a:pPr lvl="1" algn="ctr"/>
+            <a:endParaRPr lang="en-GB" sz="4800" dirty="0">
+              <a:latin typeface="Avenir Next LT Pro" panose="020B0504020202020204" pitchFamily="34" charset="0"/>
+            </a:endParaRPr>
+          </a:p>
+          <a:p>
+            <a:pPr lvl="1" algn="ctr"/>
+            <a:r>
+              <a:rPr lang="en-GB" sz="4800" dirty="0">
+                <a:latin typeface="Avenir Next LT Pro" panose="020B0504020202020204" pitchFamily="34" charset="0"/>
+              </a:rPr>
+              <a:t>(PWAs require httpS)</a:t>
+            </a:r>
+          </a:p>
+        </p:txBody>
+      </p:sp>
     </p:spTree>
     <p:extLst>
       <p:ext uri="{BB962C8B-B14F-4D97-AF65-F5344CB8AC3E}">
-        <p14:creationId xmlns:p14="http://schemas.microsoft.com/office/powerpoint/2010/main" val="863236368"/>
+        <p14:creationId xmlns:p14="http://schemas.microsoft.com/office/powerpoint/2010/main" val="1680726644"/>
       </p:ext>
     </p:extLst>
   </p:cSld>
@@ -7021,6 +7323,71 @@
           <a:chExt cx="0" cy="0"/>
         </a:xfrm>
       </p:grpSpPr>
+      <p:pic>
+        <p:nvPicPr>
+          <p:cNvPr id="7" name="Content Placeholder 6" descr="Graphical user interface, text, application, Word&#10;&#10;Description automatically generated">
+            <a:extLst>
+              <a:ext uri="{FF2B5EF4-FFF2-40B4-BE49-F238E27FC236}">
+                <a16:creationId xmlns:a16="http://schemas.microsoft.com/office/drawing/2014/main" id="{45B8DF5E-61B2-4D61-8671-DDB46D182DC5}"/>
+              </a:ext>
+            </a:extLst>
+          </p:cNvPr>
+          <p:cNvPicPr>
+            <a:picLocks noGrp="1" noChangeAspect="1"/>
+          </p:cNvPicPr>
+          <p:nvPr>
+            <p:ph idx="1"/>
+          </p:nvPr>
+        </p:nvPicPr>
+        <p:blipFill>
+          <a:blip r:embed="rId2">
+            <a:extLst>
+              <a:ext uri="{28A0092B-C50C-407E-A947-70E740481C1C}">
+                <a14:useLocalDpi xmlns:a14="http://schemas.microsoft.com/office/drawing/2010/main" val="0"/>
+              </a:ext>
+            </a:extLst>
+          </a:blip>
+          <a:stretch>
+            <a:fillRect/>
+          </a:stretch>
+        </p:blipFill>
+        <p:spPr>
+          <a:xfrm>
+            <a:off x="1988853" y="458457"/>
+            <a:ext cx="8214293" cy="5898090"/>
+          </a:xfrm>
+        </p:spPr>
+      </p:pic>
+    </p:spTree>
+    <p:extLst>
+      <p:ext uri="{BB962C8B-B14F-4D97-AF65-F5344CB8AC3E}">
+        <p14:creationId xmlns:p14="http://schemas.microsoft.com/office/powerpoint/2010/main" val="863236368"/>
+      </p:ext>
+    </p:extLst>
+  </p:cSld>
+  <p:clrMapOvr>
+    <a:masterClrMapping/>
+  </p:clrMapOvr>
+</p:sld>
+</file>
+
+<file path=ppt/slides/slide4.xml><?xml version="1.0" encoding="utf-8"?>
+<p:sld xmlns:a="http://schemas.openxmlformats.org/drawingml/2006/main" xmlns:r="http://schemas.openxmlformats.org/officeDocument/2006/relationships" xmlns:p="http://schemas.openxmlformats.org/presentationml/2006/main">
+  <p:cSld>
+    <p:spTree>
+      <p:nvGrpSpPr>
+        <p:cNvPr id="1" name=""/>
+        <p:cNvGrpSpPr/>
+        <p:nvPr/>
+      </p:nvGrpSpPr>
+      <p:grpSpPr>
+        <a:xfrm>
+          <a:off x="0" y="0"/>
+          <a:ext cx="0" cy="0"/>
+          <a:chOff x="0" y="0"/>
+          <a:chExt cx="0" cy="0"/>
+        </a:xfrm>
+      </p:grpSpPr>
       <p:sp>
         <p:nvSpPr>
           <p:cNvPr id="2" name="Title 1">
@@ -7285,7 +7652,553 @@
 </p:sld>
 </file>
 
-<file path=ppt/slides/slide4.xml><?xml version="1.0" encoding="utf-8"?>
+<file path=ppt/slides/slide5.xml><?xml version="1.0" encoding="utf-8"?>
+<p:sld xmlns:a="http://schemas.openxmlformats.org/drawingml/2006/main" xmlns:r="http://schemas.openxmlformats.org/officeDocument/2006/relationships" xmlns:p="http://schemas.openxmlformats.org/presentationml/2006/main">
+  <p:cSld>
+    <p:bg>
+      <p:bgPr>
+        <a:solidFill>
+          <a:srgbClr val="FAF0E6"/>
+        </a:solidFill>
+        <a:effectLst/>
+      </p:bgPr>
+    </p:bg>
+    <p:spTree>
+      <p:nvGrpSpPr>
+        <p:cNvPr id="1" name=""/>
+        <p:cNvGrpSpPr/>
+        <p:nvPr/>
+      </p:nvGrpSpPr>
+      <p:grpSpPr>
+        <a:xfrm>
+          <a:off x="0" y="0"/>
+          <a:ext cx="0" cy="0"/>
+          <a:chOff x="0" y="0"/>
+          <a:chExt cx="0" cy="0"/>
+        </a:xfrm>
+      </p:grpSpPr>
+      <p:cxnSp>
+        <p:nvCxnSpPr>
+          <p:cNvPr id="98" name="Straight Arrow Connector 97">
+            <a:extLst>
+              <a:ext uri="{FF2B5EF4-FFF2-40B4-BE49-F238E27FC236}">
+                <a16:creationId xmlns:a16="http://schemas.microsoft.com/office/drawing/2014/main" id="{ED4B4E13-A7DB-44C3-8C9E-AB7F0B3C39BB}"/>
+              </a:ext>
+            </a:extLst>
+          </p:cNvPr>
+          <p:cNvCxnSpPr>
+            <a:cxnSpLocks/>
+          </p:cNvCxnSpPr>
+          <p:nvPr/>
+        </p:nvCxnSpPr>
+        <p:spPr>
+          <a:xfrm flipH="1">
+            <a:off x="2797157" y="823003"/>
+            <a:ext cx="7030226" cy="0"/>
+          </a:xfrm>
+          <a:prstGeom prst="straightConnector1">
+            <a:avLst/>
+          </a:prstGeom>
+          <a:ln w="50800">
+            <a:solidFill>
+              <a:schemeClr val="accent6">
+                <a:lumMod val="75000"/>
+              </a:schemeClr>
+            </a:solidFill>
+            <a:headEnd type="triangle"/>
+            <a:tailEnd type="triangle"/>
+          </a:ln>
+        </p:spPr>
+        <p:style>
+          <a:lnRef idx="1">
+            <a:schemeClr val="accent1"/>
+          </a:lnRef>
+          <a:fillRef idx="0">
+            <a:schemeClr val="accent1"/>
+          </a:fillRef>
+          <a:effectRef idx="0">
+            <a:schemeClr val="accent1"/>
+          </a:effectRef>
+          <a:fontRef idx="minor">
+            <a:schemeClr val="tx1"/>
+          </a:fontRef>
+        </p:style>
+      </p:cxnSp>
+      <p:pic>
+        <p:nvPicPr>
+          <p:cNvPr id="11" name="Graphic 10" descr="Laptop">
+            <a:extLst>
+              <a:ext uri="{FF2B5EF4-FFF2-40B4-BE49-F238E27FC236}">
+                <a16:creationId xmlns:a16="http://schemas.microsoft.com/office/drawing/2014/main" id="{39FD19AF-EB29-480D-98EB-FC92A81B23CD}"/>
+              </a:ext>
+            </a:extLst>
+          </p:cNvPr>
+          <p:cNvPicPr>
+            <a:picLocks noChangeAspect="1"/>
+          </p:cNvPicPr>
+          <p:nvPr/>
+        </p:nvPicPr>
+        <p:blipFill>
+          <a:blip r:embed="rId2">
+            <a:extLst>
+              <a:ext uri="{28A0092B-C50C-407E-A947-70E740481C1C}">
+                <a14:useLocalDpi xmlns:a14="http://schemas.microsoft.com/office/drawing/2010/main" val="0"/>
+              </a:ext>
+              <a:ext uri="{96DAC541-7B7A-43D3-8B79-37D633B846F1}">
+                <asvg:svgBlip xmlns:asvg="http://schemas.microsoft.com/office/drawing/2016/SVG/main" r:embed="rId3"/>
+              </a:ext>
+            </a:extLst>
+          </a:blip>
+          <a:stretch>
+            <a:fillRect/>
+          </a:stretch>
+        </p:blipFill>
+        <p:spPr>
+          <a:xfrm>
+            <a:off x="790553" y="429265"/>
+            <a:ext cx="914400" cy="914400"/>
+          </a:xfrm>
+          <a:prstGeom prst="rect">
+            <a:avLst/>
+          </a:prstGeom>
+        </p:spPr>
+      </p:pic>
+      <p:pic>
+        <p:nvPicPr>
+          <p:cNvPr id="19" name="Graphic 18" descr="Web design">
+            <a:extLst>
+              <a:ext uri="{FF2B5EF4-FFF2-40B4-BE49-F238E27FC236}">
+                <a16:creationId xmlns:a16="http://schemas.microsoft.com/office/drawing/2014/main" id="{437D1DFE-9B61-457D-ACD1-633118067901}"/>
+              </a:ext>
+            </a:extLst>
+          </p:cNvPr>
+          <p:cNvPicPr>
+            <a:picLocks noChangeAspect="1"/>
+          </p:cNvPicPr>
+          <p:nvPr/>
+        </p:nvPicPr>
+        <p:blipFill>
+          <a:blip r:embed="rId4">
+            <a:extLst>
+              <a:ext uri="{28A0092B-C50C-407E-A947-70E740481C1C}">
+                <a14:useLocalDpi xmlns:a14="http://schemas.microsoft.com/office/drawing/2010/main" val="0"/>
+              </a:ext>
+              <a:ext uri="{96DAC541-7B7A-43D3-8B79-37D633B846F1}">
+                <asvg:svgBlip xmlns:asvg="http://schemas.microsoft.com/office/drawing/2016/SVG/main" r:embed="rId5"/>
+              </a:ext>
+            </a:extLst>
+          </a:blip>
+          <a:stretch>
+            <a:fillRect/>
+          </a:stretch>
+        </p:blipFill>
+        <p:spPr>
+          <a:xfrm>
+            <a:off x="1786317" y="429265"/>
+            <a:ext cx="914400" cy="914400"/>
+          </a:xfrm>
+          <a:prstGeom prst="rect">
+            <a:avLst/>
+          </a:prstGeom>
+        </p:spPr>
+      </p:pic>
+      <p:pic>
+        <p:nvPicPr>
+          <p:cNvPr id="21" name="Graphic 20" descr="World">
+            <a:extLst>
+              <a:ext uri="{FF2B5EF4-FFF2-40B4-BE49-F238E27FC236}">
+                <a16:creationId xmlns:a16="http://schemas.microsoft.com/office/drawing/2014/main" id="{9D89DD50-4605-4242-A723-045F66DC9910}"/>
+              </a:ext>
+            </a:extLst>
+          </p:cNvPr>
+          <p:cNvPicPr>
+            <a:picLocks noChangeAspect="1"/>
+          </p:cNvPicPr>
+          <p:nvPr/>
+        </p:nvPicPr>
+        <p:blipFill>
+          <a:blip r:embed="rId6">
+            <a:extLst>
+              <a:ext uri="{28A0092B-C50C-407E-A947-70E740481C1C}">
+                <a14:useLocalDpi xmlns:a14="http://schemas.microsoft.com/office/drawing/2010/main" val="0"/>
+              </a:ext>
+              <a:ext uri="{96DAC541-7B7A-43D3-8B79-37D633B846F1}">
+                <asvg:svgBlip xmlns:asvg="http://schemas.microsoft.com/office/drawing/2016/SVG/main" r:embed="rId7"/>
+              </a:ext>
+            </a:extLst>
+          </a:blip>
+          <a:stretch>
+            <a:fillRect/>
+          </a:stretch>
+        </p:blipFill>
+        <p:spPr>
+          <a:xfrm>
+            <a:off x="9887016" y="382647"/>
+            <a:ext cx="914400" cy="914400"/>
+          </a:xfrm>
+          <a:prstGeom prst="rect">
+            <a:avLst/>
+          </a:prstGeom>
+        </p:spPr>
+      </p:pic>
+      <p:sp>
+        <p:nvSpPr>
+          <p:cNvPr id="42" name="TextBox 41">
+            <a:extLst>
+              <a:ext uri="{FF2B5EF4-FFF2-40B4-BE49-F238E27FC236}">
+                <a16:creationId xmlns:a16="http://schemas.microsoft.com/office/drawing/2014/main" id="{B419EFA6-EA1E-4155-8475-CB23C574A45B}"/>
+              </a:ext>
+            </a:extLst>
+          </p:cNvPr>
+          <p:cNvSpPr txBox="1"/>
+          <p:nvPr/>
+        </p:nvSpPr>
+        <p:spPr>
+          <a:xfrm>
+            <a:off x="9405259" y="1432786"/>
+            <a:ext cx="1890911" cy="400110"/>
+          </a:xfrm>
+          <a:prstGeom prst="rect">
+            <a:avLst/>
+          </a:prstGeom>
+          <a:solidFill>
+            <a:schemeClr val="tx1"/>
+          </a:solidFill>
+        </p:spPr>
+        <p:txBody>
+          <a:bodyPr wrap="square" rtlCol="0">
+            <a:spAutoFit/>
+          </a:bodyPr>
+          <a:lstStyle/>
+          <a:p>
+            <a:pPr algn="ctr"/>
+            <a:r>
+              <a:rPr lang="en-GB" sz="2000" b="1" dirty="0">
+                <a:solidFill>
+                  <a:schemeClr val="bg1"/>
+                </a:solidFill>
+                <a:latin typeface="Segoe UI" panose="020B0502040204020203" pitchFamily="34" charset="0"/>
+                <a:cs typeface="Segoe UI" panose="020B0502040204020203" pitchFamily="34" charset="0"/>
+              </a:rPr>
+              <a:t>WEB SERVER</a:t>
+            </a:r>
+          </a:p>
+        </p:txBody>
+      </p:sp>
+      <p:cxnSp>
+        <p:nvCxnSpPr>
+          <p:cNvPr id="29" name="Straight Connector 28">
+            <a:extLst>
+              <a:ext uri="{FF2B5EF4-FFF2-40B4-BE49-F238E27FC236}">
+                <a16:creationId xmlns:a16="http://schemas.microsoft.com/office/drawing/2014/main" id="{8D68F1CA-0DCF-420C-9537-18E32638E83E}"/>
+              </a:ext>
+            </a:extLst>
+          </p:cNvPr>
+          <p:cNvCxnSpPr/>
+          <p:nvPr/>
+        </p:nvCxnSpPr>
+        <p:spPr>
+          <a:xfrm>
+            <a:off x="8216231" y="198125"/>
+            <a:ext cx="0" cy="6238240"/>
+          </a:xfrm>
+          <a:prstGeom prst="line">
+            <a:avLst/>
+          </a:prstGeom>
+          <a:ln w="38100">
+            <a:solidFill>
+              <a:schemeClr val="tx1"/>
+            </a:solidFill>
+          </a:ln>
+        </p:spPr>
+        <p:style>
+          <a:lnRef idx="1">
+            <a:schemeClr val="accent1"/>
+          </a:lnRef>
+          <a:fillRef idx="0">
+            <a:schemeClr val="accent1"/>
+          </a:fillRef>
+          <a:effectRef idx="0">
+            <a:schemeClr val="accent1"/>
+          </a:effectRef>
+          <a:fontRef idx="minor">
+            <a:schemeClr val="tx1"/>
+          </a:fontRef>
+        </p:style>
+      </p:cxnSp>
+      <p:sp>
+        <p:nvSpPr>
+          <p:cNvPr id="2" name="Rectangle 1">
+            <a:extLst>
+              <a:ext uri="{FF2B5EF4-FFF2-40B4-BE49-F238E27FC236}">
+                <a16:creationId xmlns:a16="http://schemas.microsoft.com/office/drawing/2014/main" id="{90AB678B-0F56-4A79-B93D-B6B62B8F6167}"/>
+              </a:ext>
+            </a:extLst>
+          </p:cNvPr>
+          <p:cNvSpPr/>
+          <p:nvPr/>
+        </p:nvSpPr>
+        <p:spPr>
+          <a:xfrm>
+            <a:off x="7026917" y="176612"/>
+            <a:ext cx="863870" cy="6259753"/>
+          </a:xfrm>
+          <a:prstGeom prst="rect">
+            <a:avLst/>
+          </a:prstGeom>
+          <a:solidFill>
+            <a:schemeClr val="bg1">
+              <a:lumMod val="75000"/>
+            </a:schemeClr>
+          </a:solidFill>
+        </p:spPr>
+        <p:style>
+          <a:lnRef idx="2">
+            <a:schemeClr val="accent1">
+              <a:shade val="50000"/>
+            </a:schemeClr>
+          </a:lnRef>
+          <a:fillRef idx="1">
+            <a:schemeClr val="accent1"/>
+          </a:fillRef>
+          <a:effectRef idx="0">
+            <a:schemeClr val="accent1"/>
+          </a:effectRef>
+          <a:fontRef idx="minor">
+            <a:schemeClr val="lt1"/>
+          </a:fontRef>
+        </p:style>
+        <p:txBody>
+          <a:bodyPr rtlCol="0" anchor="ctr"/>
+          <a:lstStyle/>
+          <a:p>
+            <a:pPr algn="ctr"/>
+            <a:endParaRPr lang="en-GB"/>
+          </a:p>
+        </p:txBody>
+      </p:sp>
+      <p:sp>
+        <p:nvSpPr>
+          <p:cNvPr id="22" name="TextBox 21">
+            <a:extLst>
+              <a:ext uri="{FF2B5EF4-FFF2-40B4-BE49-F238E27FC236}">
+                <a16:creationId xmlns:a16="http://schemas.microsoft.com/office/drawing/2014/main" id="{A7441F6B-4FF2-4705-9FFE-23339280F96D}"/>
+              </a:ext>
+            </a:extLst>
+          </p:cNvPr>
+          <p:cNvSpPr txBox="1"/>
+          <p:nvPr/>
+        </p:nvSpPr>
+        <p:spPr>
+          <a:xfrm>
+            <a:off x="4948739" y="6120885"/>
+            <a:ext cx="2942048" cy="369332"/>
+          </a:xfrm>
+          <a:prstGeom prst="rect">
+            <a:avLst/>
+          </a:prstGeom>
+          <a:solidFill>
+            <a:schemeClr val="tx1"/>
+          </a:solidFill>
+        </p:spPr>
+        <p:txBody>
+          <a:bodyPr wrap="square" rtlCol="0">
+            <a:spAutoFit/>
+          </a:bodyPr>
+          <a:lstStyle/>
+          <a:p>
+            <a:pPr algn="ctr"/>
+            <a:r>
+              <a:rPr lang="en-GB" b="1" dirty="0">
+                <a:solidFill>
+                  <a:schemeClr val="bg1"/>
+                </a:solidFill>
+                <a:latin typeface="Segoe UI" panose="020B0502040204020203" pitchFamily="34" charset="0"/>
+                <a:cs typeface="Segoe UI" panose="020B0502040204020203" pitchFamily="34" charset="0"/>
+              </a:rPr>
+              <a:t>Browser’s HTTP Cache</a:t>
+            </a:r>
+          </a:p>
+        </p:txBody>
+      </p:sp>
+      <p:cxnSp>
+        <p:nvCxnSpPr>
+          <p:cNvPr id="4" name="Straight Connector 3">
+            <a:extLst>
+              <a:ext uri="{FF2B5EF4-FFF2-40B4-BE49-F238E27FC236}">
+                <a16:creationId xmlns:a16="http://schemas.microsoft.com/office/drawing/2014/main" id="{AF975015-9201-4114-8885-14E5C3010B24}"/>
+              </a:ext>
+            </a:extLst>
+          </p:cNvPr>
+          <p:cNvCxnSpPr>
+            <a:cxnSpLocks/>
+          </p:cNvCxnSpPr>
+          <p:nvPr/>
+        </p:nvCxnSpPr>
+        <p:spPr>
+          <a:xfrm>
+            <a:off x="7026917" y="823003"/>
+            <a:ext cx="863870" cy="1"/>
+          </a:xfrm>
+          <a:prstGeom prst="line">
+            <a:avLst/>
+          </a:prstGeom>
+          <a:ln w="50800">
+            <a:solidFill>
+              <a:schemeClr val="accent6">
+                <a:lumMod val="75000"/>
+              </a:schemeClr>
+            </a:solidFill>
+            <a:prstDash val="sysDot"/>
+          </a:ln>
+        </p:spPr>
+        <p:style>
+          <a:lnRef idx="1">
+            <a:schemeClr val="accent1"/>
+          </a:lnRef>
+          <a:fillRef idx="0">
+            <a:schemeClr val="accent1"/>
+          </a:fillRef>
+          <a:effectRef idx="0">
+            <a:schemeClr val="accent1"/>
+          </a:effectRef>
+          <a:fontRef idx="minor">
+            <a:schemeClr val="tx1"/>
+          </a:fontRef>
+        </p:style>
+      </p:cxnSp>
+      <p:sp>
+        <p:nvSpPr>
+          <p:cNvPr id="30" name="TextBox 29">
+            <a:extLst>
+              <a:ext uri="{FF2B5EF4-FFF2-40B4-BE49-F238E27FC236}">
+                <a16:creationId xmlns:a16="http://schemas.microsoft.com/office/drawing/2014/main" id="{F456C9D4-C88B-4DDD-BCA3-569DAEE80820}"/>
+              </a:ext>
+            </a:extLst>
+          </p:cNvPr>
+          <p:cNvSpPr txBox="1"/>
+          <p:nvPr/>
+        </p:nvSpPr>
+        <p:spPr>
+          <a:xfrm>
+            <a:off x="8517185" y="2021348"/>
+            <a:ext cx="3512195" cy="4401205"/>
+          </a:xfrm>
+          <a:prstGeom prst="rect">
+            <a:avLst/>
+          </a:prstGeom>
+          <a:noFill/>
+        </p:spPr>
+        <p:txBody>
+          <a:bodyPr wrap="square">
+            <a:spAutoFit/>
+          </a:bodyPr>
+          <a:lstStyle/>
+          <a:p>
+            <a:r>
+              <a:rPr lang="en-GB" sz="2800" dirty="0">
+                <a:solidFill>
+                  <a:srgbClr val="FF0000"/>
+                </a:solidFill>
+                <a:latin typeface="Segoe UI" panose="020B0502040204020203" pitchFamily="34" charset="0"/>
+                <a:cs typeface="Segoe UI" panose="020B0502040204020203" pitchFamily="34" charset="0"/>
+              </a:rPr>
+              <a:t>All requests go through browser cache and we can specify rules as to how the browser cache responds</a:t>
+            </a:r>
+            <a:r>
+              <a:rPr lang="en-GB" sz="2800" dirty="0">
+                <a:solidFill>
+                  <a:srgbClr val="FF0000"/>
+                </a:solidFill>
+              </a:rPr>
+              <a:t>.</a:t>
+            </a:r>
+          </a:p>
+          <a:p>
+            <a:endParaRPr lang="en-GB" sz="2800" dirty="0">
+              <a:solidFill>
+                <a:srgbClr val="FF0000"/>
+              </a:solidFill>
+            </a:endParaRPr>
+          </a:p>
+          <a:p>
+            <a:r>
+              <a:rPr lang="en-GB" sz="2800" dirty="0">
+                <a:solidFill>
+                  <a:srgbClr val="FF0000"/>
+                </a:solidFill>
+              </a:rPr>
+              <a:t>Thus the ‘network’ response could just be the browser cache.</a:t>
+            </a:r>
+          </a:p>
+        </p:txBody>
+      </p:sp>
+      <p:sp>
+        <p:nvSpPr>
+          <p:cNvPr id="14" name="TextBox 13">
+            <a:extLst>
+              <a:ext uri="{FF2B5EF4-FFF2-40B4-BE49-F238E27FC236}">
+                <a16:creationId xmlns:a16="http://schemas.microsoft.com/office/drawing/2014/main" id="{600E46A4-EAE4-4456-88BB-2130D4255A3C}"/>
+              </a:ext>
+            </a:extLst>
+          </p:cNvPr>
+          <p:cNvSpPr txBox="1"/>
+          <p:nvPr/>
+        </p:nvSpPr>
+        <p:spPr>
+          <a:xfrm>
+            <a:off x="358437" y="1263509"/>
+            <a:ext cx="2942048" cy="369332"/>
+          </a:xfrm>
+          <a:prstGeom prst="rect">
+            <a:avLst/>
+          </a:prstGeom>
+          <a:solidFill>
+            <a:schemeClr val="tx1"/>
+          </a:solidFill>
+        </p:spPr>
+        <p:txBody>
+          <a:bodyPr wrap="square" rtlCol="0">
+            <a:spAutoFit/>
+          </a:bodyPr>
+          <a:lstStyle/>
+          <a:p>
+            <a:pPr algn="ctr"/>
+            <a:r>
+              <a:rPr lang="en-GB" b="1" dirty="0">
+                <a:solidFill>
+                  <a:schemeClr val="bg1"/>
+                </a:solidFill>
+                <a:latin typeface="Segoe UI" panose="020B0502040204020203" pitchFamily="34" charset="0"/>
+                <a:cs typeface="Segoe UI" panose="020B0502040204020203" pitchFamily="34" charset="0"/>
+              </a:rPr>
+              <a:t>Device – Browser -Page</a:t>
+            </a:r>
+          </a:p>
+        </p:txBody>
+      </p:sp>
+    </p:spTree>
+    <p:extLst>
+      <p:ext uri="{BB962C8B-B14F-4D97-AF65-F5344CB8AC3E}">
+        <p14:creationId xmlns:p14="http://schemas.microsoft.com/office/powerpoint/2010/main" val="3619892469"/>
+      </p:ext>
+    </p:extLst>
+  </p:cSld>
+  <p:clrMapOvr>
+    <a:masterClrMapping/>
+  </p:clrMapOvr>
+  <mc:AlternateContent xmlns:mc="http://schemas.openxmlformats.org/markup-compatibility/2006" xmlns:p14="http://schemas.microsoft.com/office/powerpoint/2010/main">
+    <mc:Choice Requires="p14">
+      <p:transition p14:dur="10"/>
+    </mc:Choice>
+    <mc:Fallback xmlns="">
+      <p:transition/>
+    </mc:Fallback>
+  </mc:AlternateContent>
+</p:sld>
+</file>
+
+<file path=ppt/slides/slide6.xml><?xml version="1.0" encoding="utf-8"?>
 <p:sld xmlns:a="http://schemas.openxmlformats.org/drawingml/2006/main" xmlns:r="http://schemas.openxmlformats.org/officeDocument/2006/relationships" xmlns:p="http://schemas.openxmlformats.org/presentationml/2006/main">
   <p:cSld>
     <p:bg>
@@ -8617,319 +9530,6 @@
 </p:sld>
 </file>
 
-<file path=ppt/slides/slide5.xml><?xml version="1.0" encoding="utf-8"?>
-<p:sld xmlns:a="http://schemas.openxmlformats.org/drawingml/2006/main" xmlns:r="http://schemas.openxmlformats.org/officeDocument/2006/relationships" xmlns:p="http://schemas.openxmlformats.org/presentationml/2006/main">
-  <p:cSld>
-    <p:spTree>
-      <p:nvGrpSpPr>
-        <p:cNvPr id="1" name=""/>
-        <p:cNvGrpSpPr/>
-        <p:nvPr/>
-      </p:nvGrpSpPr>
-      <p:grpSpPr>
-        <a:xfrm>
-          <a:off x="0" y="0"/>
-          <a:ext cx="0" cy="0"/>
-          <a:chOff x="0" y="0"/>
-          <a:chExt cx="0" cy="0"/>
-        </a:xfrm>
-      </p:grpSpPr>
-      <p:sp>
-        <p:nvSpPr>
-          <p:cNvPr id="2" name="Title 1">
-            <a:extLst>
-              <a:ext uri="{FF2B5EF4-FFF2-40B4-BE49-F238E27FC236}">
-                <a16:creationId xmlns:a16="http://schemas.microsoft.com/office/drawing/2014/main" id="{81769C98-962F-4C3A-B575-99BB0A9C6763}"/>
-              </a:ext>
-            </a:extLst>
-          </p:cNvPr>
-          <p:cNvSpPr>
-            <a:spLocks noGrp="1"/>
-          </p:cNvSpPr>
-          <p:nvPr>
-            <p:ph type="title"/>
-          </p:nvPr>
-        </p:nvSpPr>
-        <p:spPr/>
-        <p:txBody>
-          <a:bodyPr/>
-          <a:lstStyle/>
-          <a:p>
-            <a:r>
-              <a:rPr lang="en-GB" dirty="0"/>
-              <a:t>Service Workers</a:t>
-            </a:r>
-          </a:p>
-        </p:txBody>
-      </p:sp>
-      <p:sp>
-        <p:nvSpPr>
-          <p:cNvPr id="3" name="Content Placeholder 2">
-            <a:extLst>
-              <a:ext uri="{FF2B5EF4-FFF2-40B4-BE49-F238E27FC236}">
-                <a16:creationId xmlns:a16="http://schemas.microsoft.com/office/drawing/2014/main" id="{C77D8FCA-15A2-453C-BEDB-B01FF3E48151}"/>
-              </a:ext>
-            </a:extLst>
-          </p:cNvPr>
-          <p:cNvSpPr>
-            <a:spLocks noGrp="1"/>
-          </p:cNvSpPr>
-          <p:nvPr>
-            <p:ph idx="1"/>
-          </p:nvPr>
-        </p:nvSpPr>
-        <p:spPr>
-          <a:xfrm>
-            <a:off x="910628" y="1795463"/>
-            <a:ext cx="10515600" cy="4233862"/>
-          </a:xfrm>
-        </p:spPr>
-        <p:txBody>
-          <a:bodyPr/>
-          <a:lstStyle/>
-          <a:p>
-            <a:pPr>
-              <a:spcBef>
-                <a:spcPct val="0"/>
-              </a:spcBef>
-            </a:pPr>
-            <a:r>
-              <a:rPr lang="en-GB" sz="3600" dirty="0">
-                <a:latin typeface="Segoe UI" panose="020B0502040204020203" pitchFamily="34" charset="0"/>
-                <a:ea typeface="+mj-ea"/>
-                <a:cs typeface="Segoe UI" panose="020B0502040204020203" pitchFamily="34" charset="0"/>
-              </a:rPr>
-              <a:t>Essentially event listeners from page/device services – ‘fetch’ being the most used. </a:t>
-            </a:r>
-          </a:p>
-          <a:p>
-            <a:pPr>
-              <a:spcBef>
-                <a:spcPct val="0"/>
-              </a:spcBef>
-            </a:pPr>
-            <a:r>
-              <a:rPr lang="en-GB" sz="3600" dirty="0">
-                <a:latin typeface="Segoe UI" panose="020B0502040204020203" pitchFamily="34" charset="0"/>
-                <a:cs typeface="Segoe UI" panose="020B0502040204020203" pitchFamily="34" charset="0"/>
-              </a:rPr>
-              <a:t>NB: AJAX/Axios etc do NOT trigger ‘fetch’ event. Only the Fetch API </a:t>
-            </a:r>
-            <a:r>
-              <a:rPr lang="en-GB" sz="3600" dirty="0">
-                <a:latin typeface="Segoe UI" panose="020B0502040204020203" pitchFamily="34" charset="0"/>
-                <a:ea typeface="+mj-ea"/>
-                <a:cs typeface="Segoe UI" panose="020B0502040204020203" pitchFamily="34" charset="0"/>
-              </a:rPr>
-              <a:t>They can be triggered by events from page/device services – ‘fetch’ being the most used. </a:t>
-            </a:r>
-          </a:p>
-        </p:txBody>
-      </p:sp>
-    </p:spTree>
-    <p:extLst>
-      <p:ext uri="{BB962C8B-B14F-4D97-AF65-F5344CB8AC3E}">
-        <p14:creationId xmlns:p14="http://schemas.microsoft.com/office/powerpoint/2010/main" val="3472448632"/>
-      </p:ext>
-    </p:extLst>
-  </p:cSld>
-  <p:clrMapOvr>
-    <a:masterClrMapping/>
-  </p:clrMapOvr>
-</p:sld>
-</file>
-
-<file path=ppt/slides/slide6.xml><?xml version="1.0" encoding="utf-8"?>
-<p:sld xmlns:a="http://schemas.openxmlformats.org/drawingml/2006/main" xmlns:r="http://schemas.openxmlformats.org/officeDocument/2006/relationships" xmlns:p="http://schemas.openxmlformats.org/presentationml/2006/main">
-  <p:cSld>
-    <p:spTree>
-      <p:nvGrpSpPr>
-        <p:cNvPr id="1" name=""/>
-        <p:cNvGrpSpPr/>
-        <p:nvPr/>
-      </p:nvGrpSpPr>
-      <p:grpSpPr>
-        <a:xfrm>
-          <a:off x="0" y="0"/>
-          <a:ext cx="0" cy="0"/>
-          <a:chOff x="0" y="0"/>
-          <a:chExt cx="0" cy="0"/>
-        </a:xfrm>
-      </p:grpSpPr>
-      <p:sp>
-        <p:nvSpPr>
-          <p:cNvPr id="2" name="Title 1">
-            <a:extLst>
-              <a:ext uri="{FF2B5EF4-FFF2-40B4-BE49-F238E27FC236}">
-                <a16:creationId xmlns:a16="http://schemas.microsoft.com/office/drawing/2014/main" id="{81769C98-962F-4C3A-B575-99BB0A9C6763}"/>
-              </a:ext>
-            </a:extLst>
-          </p:cNvPr>
-          <p:cNvSpPr>
-            <a:spLocks noGrp="1"/>
-          </p:cNvSpPr>
-          <p:nvPr>
-            <p:ph type="title"/>
-          </p:nvPr>
-        </p:nvSpPr>
-        <p:spPr/>
-        <p:txBody>
-          <a:bodyPr/>
-          <a:lstStyle/>
-          <a:p>
-            <a:r>
-              <a:rPr lang="en-GB" dirty="0"/>
-              <a:t>Service Workers</a:t>
-            </a:r>
-          </a:p>
-        </p:txBody>
-      </p:sp>
-      <p:sp>
-        <p:nvSpPr>
-          <p:cNvPr id="3" name="Content Placeholder 2">
-            <a:extLst>
-              <a:ext uri="{FF2B5EF4-FFF2-40B4-BE49-F238E27FC236}">
-                <a16:creationId xmlns:a16="http://schemas.microsoft.com/office/drawing/2014/main" id="{C77D8FCA-15A2-453C-BEDB-B01FF3E48151}"/>
-              </a:ext>
-            </a:extLst>
-          </p:cNvPr>
-          <p:cNvSpPr>
-            <a:spLocks noGrp="1"/>
-          </p:cNvSpPr>
-          <p:nvPr>
-            <p:ph idx="1"/>
-          </p:nvPr>
-        </p:nvSpPr>
-        <p:spPr>
-          <a:xfrm>
-            <a:off x="910628" y="904875"/>
-            <a:ext cx="10515600" cy="4955994"/>
-          </a:xfrm>
-        </p:spPr>
-        <p:txBody>
-          <a:bodyPr/>
-          <a:lstStyle/>
-          <a:p>
-            <a:pPr>
-              <a:spcBef>
-                <a:spcPct val="0"/>
-              </a:spcBef>
-            </a:pPr>
-            <a:r>
-              <a:rPr lang="en-GB" sz="3600" dirty="0">
-                <a:latin typeface="Segoe UI" panose="020B0502040204020203" pitchFamily="34" charset="0"/>
-                <a:ea typeface="+mj-ea"/>
-                <a:cs typeface="Segoe UI" panose="020B0502040204020203" pitchFamily="34" charset="0"/>
-              </a:rPr>
-              <a:t>Service Workers are the powerhouse of PWAs.</a:t>
-            </a:r>
-          </a:p>
-          <a:p>
-            <a:pPr>
-              <a:spcBef>
-                <a:spcPct val="0"/>
-              </a:spcBef>
-            </a:pPr>
-            <a:r>
-              <a:rPr lang="en-GB" dirty="0">
-                <a:ea typeface="+mj-ea"/>
-              </a:rPr>
-              <a:t>JavaScript files but a wrapper to OS. </a:t>
-            </a:r>
-          </a:p>
-          <a:p>
-            <a:pPr>
-              <a:spcBef>
-                <a:spcPct val="0"/>
-              </a:spcBef>
-            </a:pPr>
-            <a:r>
-              <a:rPr lang="en-GB" dirty="0">
-                <a:ea typeface="+mj-ea"/>
-              </a:rPr>
-              <a:t>Runs in own thread so does not block JS. Async APIs only.</a:t>
-            </a:r>
-            <a:endParaRPr lang="en-GB" sz="3600" dirty="0">
-              <a:latin typeface="Segoe UI" panose="020B0502040204020203" pitchFamily="34" charset="0"/>
-              <a:ea typeface="+mj-ea"/>
-              <a:cs typeface="Segoe UI" panose="020B0502040204020203" pitchFamily="34" charset="0"/>
-            </a:endParaRPr>
-          </a:p>
-          <a:p>
-            <a:pPr>
-              <a:spcBef>
-                <a:spcPct val="0"/>
-              </a:spcBef>
-            </a:pPr>
-            <a:r>
-              <a:rPr lang="en-GB" sz="3600" dirty="0">
-                <a:latin typeface="Segoe UI" panose="020B0502040204020203" pitchFamily="34" charset="0"/>
-                <a:ea typeface="+mj-ea"/>
-                <a:cs typeface="Segoe UI" panose="020B0502040204020203" pitchFamily="34" charset="0"/>
-              </a:rPr>
-              <a:t>They operate even if the browser or tab is closed.</a:t>
-            </a:r>
-          </a:p>
-          <a:p>
-            <a:pPr>
-              <a:spcBef>
-                <a:spcPct val="0"/>
-              </a:spcBef>
-            </a:pPr>
-            <a:r>
-              <a:rPr lang="en-GB" sz="3600" dirty="0">
-                <a:latin typeface="Segoe UI" panose="020B0502040204020203" pitchFamily="34" charset="0"/>
-                <a:ea typeface="+mj-ea"/>
-                <a:cs typeface="Segoe UI" panose="020B0502040204020203" pitchFamily="34" charset="0"/>
-              </a:rPr>
-              <a:t>Must use https unless localhost.</a:t>
-            </a:r>
-          </a:p>
-          <a:p>
-            <a:pPr>
-              <a:spcBef>
-                <a:spcPct val="0"/>
-              </a:spcBef>
-            </a:pPr>
-            <a:r>
-              <a:rPr lang="en-GB" dirty="0">
-                <a:ea typeface="+mj-ea"/>
-              </a:rPr>
-              <a:t>Cannot access DOM.</a:t>
-            </a:r>
-            <a:endParaRPr lang="en-GB" sz="3600" dirty="0">
-              <a:latin typeface="Segoe UI" panose="020B0502040204020203" pitchFamily="34" charset="0"/>
-              <a:ea typeface="+mj-ea"/>
-              <a:cs typeface="Segoe UI" panose="020B0502040204020203" pitchFamily="34" charset="0"/>
-            </a:endParaRPr>
-          </a:p>
-          <a:p>
-            <a:pPr>
-              <a:spcBef>
-                <a:spcPct val="0"/>
-              </a:spcBef>
-            </a:pPr>
-            <a:endParaRPr lang="en-GB" sz="3600" dirty="0">
-              <a:latin typeface="Segoe UI" panose="020B0502040204020203" pitchFamily="34" charset="0"/>
-              <a:ea typeface="+mj-ea"/>
-              <a:cs typeface="Segoe UI" panose="020B0502040204020203" pitchFamily="34" charset="0"/>
-            </a:endParaRPr>
-          </a:p>
-        </p:txBody>
-      </p:sp>
-    </p:spTree>
-    <p:extLst>
-      <p:ext uri="{BB962C8B-B14F-4D97-AF65-F5344CB8AC3E}">
-        <p14:creationId xmlns:p14="http://schemas.microsoft.com/office/powerpoint/2010/main" val="3608804934"/>
-      </p:ext>
-    </p:extLst>
-  </p:cSld>
-  <p:clrMapOvr>
-    <a:masterClrMapping/>
-  </p:clrMapOvr>
-</p:sld>
-</file>
-
 <file path=ppt/slides/slide7.xml><?xml version="1.0" encoding="utf-8"?>
 <p:sld xmlns:a="http://schemas.openxmlformats.org/drawingml/2006/main" xmlns:r="http://schemas.openxmlformats.org/officeDocument/2006/relationships" xmlns:p="http://schemas.openxmlformats.org/presentationml/2006/main">
   <p:cSld>
@@ -8993,8 +9593,8 @@
         </p:nvSpPr>
         <p:spPr>
           <a:xfrm>
-            <a:off x="910628" y="1145382"/>
-            <a:ext cx="10515600" cy="2871787"/>
+            <a:off x="910628" y="1795463"/>
+            <a:ext cx="10515600" cy="4233862"/>
           </a:xfrm>
         </p:spPr>
         <p:txBody>
@@ -9007,10 +9607,12 @@
               </a:spcBef>
             </a:pPr>
             <a:r>
-              <a:rPr lang="en-GB" dirty="0">
+              <a:rPr lang="en-GB" sz="3600" dirty="0">
+                <a:latin typeface="Segoe UI" panose="020B0502040204020203" pitchFamily="34" charset="0"/>
                 <a:ea typeface="+mj-ea"/>
+                <a:cs typeface="Segoe UI" panose="020B0502040204020203" pitchFamily="34" charset="0"/>
               </a:rPr>
-              <a:t>They may go to sleep but are awoken by events.</a:t>
+              <a:t>Essentially event listeners from page/device services – ‘fetch’ being the most used. </a:t>
             </a:r>
           </a:p>
           <a:p>
@@ -9020,57 +9622,27 @@
               </a:spcBef>
             </a:pPr>
             <a:r>
-              <a:rPr lang="en-GB" dirty="0">
+              <a:rPr lang="en-GB" sz="3600" dirty="0">
+                <a:latin typeface="Segoe UI" panose="020B0502040204020203" pitchFamily="34" charset="0"/>
+                <a:cs typeface="Segoe UI" panose="020B0502040204020203" pitchFamily="34" charset="0"/>
+              </a:rPr>
+              <a:t>NB: AJAX/Axios etc do NOT trigger ‘fetch’ event. Only the Fetch API </a:t>
+            </a:r>
+            <a:r>
+              <a:rPr lang="en-GB" sz="3600" dirty="0">
+                <a:latin typeface="Segoe UI" panose="020B0502040204020203" pitchFamily="34" charset="0"/>
                 <a:ea typeface="+mj-ea"/>
+                <a:cs typeface="Segoe UI" panose="020B0502040204020203" pitchFamily="34" charset="0"/>
               </a:rPr>
-              <a:t>SW Lifecycle, Push notifications, Notifications and BackgroundSync are other events.</a:t>
-            </a:r>
-          </a:p>
-          <a:p>
-            <a:pPr>
-              <a:spcBef>
-                <a:spcPct val="0"/>
-              </a:spcBef>
-            </a:pPr>
-            <a:r>
-              <a:rPr lang="en-GB" dirty="0">
-                <a:ea typeface="+mj-ea"/>
-              </a:rPr>
-              <a:t>Require HTTPS but localhost OK for development.</a:t>
-            </a:r>
-          </a:p>
-          <a:p>
-            <a:pPr>
-              <a:spcBef>
-                <a:spcPct val="0"/>
-              </a:spcBef>
-            </a:pPr>
-            <a:r>
-              <a:rPr lang="en-GB" dirty="0">
-                <a:ea typeface="+mj-ea"/>
-              </a:rPr>
-              <a:t>Has a SCOPE over which it has dominion – based on where it is located or its SCOPE option (later).</a:t>
-            </a:r>
-          </a:p>
-          <a:p>
-            <a:pPr>
-              <a:spcBef>
-                <a:spcPct val="0"/>
-              </a:spcBef>
-            </a:pPr>
-            <a:endParaRPr lang="en-GB" dirty="0">
-              <a:ea typeface="+mj-ea"/>
-            </a:endParaRPr>
-          </a:p>
-          <a:p>
-            <a:endParaRPr lang="en-GB" dirty="0"/>
+              <a:t>They can be triggered by events from page/device services – ‘fetch’ being the most used. </a:t>
+            </a:r>
           </a:p>
         </p:txBody>
       </p:sp>
     </p:spTree>
     <p:extLst>
       <p:ext uri="{BB962C8B-B14F-4D97-AF65-F5344CB8AC3E}">
-        <p14:creationId xmlns:p14="http://schemas.microsoft.com/office/powerpoint/2010/main" val="3234082164"/>
+        <p14:creationId xmlns:p14="http://schemas.microsoft.com/office/powerpoint/2010/main" val="3472448632"/>
       </p:ext>
     </p:extLst>
   </p:cSld>
@@ -9120,7 +9692,7 @@
           <a:p>
             <a:r>
               <a:rPr lang="en-GB" dirty="0"/>
-              <a:t>10s - Installability</a:t>
+              <a:t>Service Workers</a:t>
             </a:r>
           </a:p>
         </p:txBody>
@@ -9143,81 +9715,141 @@
         </p:nvSpPr>
         <p:spPr>
           <a:xfrm>
-            <a:off x="477883" y="1100138"/>
-            <a:ext cx="10515600" cy="4351338"/>
+            <a:off x="910628" y="904874"/>
+            <a:ext cx="10515600" cy="5617845"/>
           </a:xfrm>
         </p:spPr>
         <p:txBody>
           <a:bodyPr/>
           <a:lstStyle/>
           <a:p>
-            <a:r>
-              <a:rPr lang="en-GB" dirty="0"/>
-              <a:t>The ability to add an icon to the Homescreen or save link on mobile device.</a:t>
-            </a:r>
-          </a:p>
-          <a:p>
-            <a:r>
-              <a:rPr lang="en-GB" dirty="0"/>
-              <a:t>Each browser has its own implementation – Chrome offers the ability to offer a custom install.</a:t>
-            </a:r>
-          </a:p>
-          <a:p>
-            <a:r>
-              <a:rPr lang="en-GB" dirty="0"/>
-              <a:t>‘</a:t>
-            </a:r>
-            <a:r>
-              <a:rPr lang="en-GB" dirty="0" err="1"/>
-              <a:t>whatwebcando.today</a:t>
-            </a:r>
-            <a:r>
-              <a:rPr lang="en-GB" dirty="0"/>
-              <a:t>’</a:t>
-            </a:r>
-          </a:p>
-        </p:txBody>
-      </p:sp>
-      <p:pic>
-        <p:nvPicPr>
-          <p:cNvPr id="5" name="Picture 4" descr="Logo&#10;&#10;Description automatically generated">
-            <a:extLst>
-              <a:ext uri="{FF2B5EF4-FFF2-40B4-BE49-F238E27FC236}">
-                <a16:creationId xmlns:a16="http://schemas.microsoft.com/office/drawing/2014/main" id="{D9E6DA84-9392-497A-83A0-282E94CA06E1}"/>
-              </a:ext>
-            </a:extLst>
-          </p:cNvPr>
-          <p:cNvPicPr>
-            <a:picLocks noChangeAspect="1"/>
-          </p:cNvPicPr>
-          <p:nvPr/>
-        </p:nvPicPr>
-        <p:blipFill>
-          <a:blip r:embed="rId2">
-            <a:extLst>
-              <a:ext uri="{28A0092B-C50C-407E-A947-70E740481C1C}">
-                <a14:useLocalDpi xmlns:a14="http://schemas.microsoft.com/office/drawing/2010/main" val="0"/>
-              </a:ext>
-            </a:extLst>
-          </a:blip>
-          <a:stretch>
-            <a:fillRect/>
-          </a:stretch>
-        </p:blipFill>
-        <p:spPr>
-          <a:xfrm>
-            <a:off x="10450907" y="1308255"/>
-            <a:ext cx="1427218" cy="1872000"/>
-          </a:xfrm>
-          <a:prstGeom prst="rect">
-            <a:avLst/>
-          </a:prstGeom>
-        </p:spPr>
-      </p:pic>
+            <a:pPr>
+              <a:spcBef>
+                <a:spcPct val="0"/>
+              </a:spcBef>
+            </a:pPr>
+            <a:r>
+              <a:rPr lang="en-GB" sz="3600" dirty="0">
+                <a:latin typeface="Segoe UI" panose="020B0502040204020203" pitchFamily="34" charset="0"/>
+                <a:ea typeface="+mj-ea"/>
+                <a:cs typeface="Segoe UI" panose="020B0502040204020203" pitchFamily="34" charset="0"/>
+              </a:rPr>
+              <a:t>Service Workers are the powerhouse of PWAs.</a:t>
+            </a:r>
+          </a:p>
+          <a:p>
+            <a:pPr>
+              <a:spcBef>
+                <a:spcPct val="0"/>
+              </a:spcBef>
+            </a:pPr>
+            <a:r>
+              <a:rPr lang="en-GB" dirty="0">
+                <a:ea typeface="+mj-ea"/>
+              </a:rPr>
+              <a:t>JavaScript files but a wrapper to OS. </a:t>
+            </a:r>
+          </a:p>
+          <a:p>
+            <a:pPr>
+              <a:spcBef>
+                <a:spcPct val="0"/>
+              </a:spcBef>
+            </a:pPr>
+            <a:r>
+              <a:rPr lang="en-GB" dirty="0">
+                <a:ea typeface="+mj-ea"/>
+              </a:rPr>
+              <a:t>Runs in own thread so does not block JS. Async APIs only.</a:t>
+            </a:r>
+            <a:endParaRPr lang="en-GB" sz="3600" dirty="0">
+              <a:latin typeface="Segoe UI" panose="020B0502040204020203" pitchFamily="34" charset="0"/>
+              <a:ea typeface="+mj-ea"/>
+              <a:cs typeface="Segoe UI" panose="020B0502040204020203" pitchFamily="34" charset="0"/>
+            </a:endParaRPr>
+          </a:p>
+          <a:p>
+            <a:pPr>
+              <a:spcBef>
+                <a:spcPct val="0"/>
+              </a:spcBef>
+            </a:pPr>
+            <a:r>
+              <a:rPr lang="en-GB" sz="3600" dirty="0">
+                <a:latin typeface="Segoe UI" panose="020B0502040204020203" pitchFamily="34" charset="0"/>
+                <a:ea typeface="+mj-ea"/>
+                <a:cs typeface="Segoe UI" panose="020B0502040204020203" pitchFamily="34" charset="0"/>
+              </a:rPr>
+              <a:t>They operate even if the browser or tab is closed.</a:t>
+            </a:r>
+          </a:p>
+          <a:p>
+            <a:pPr>
+              <a:spcBef>
+                <a:spcPct val="0"/>
+              </a:spcBef>
+            </a:pPr>
+            <a:r>
+              <a:rPr lang="en-GB" sz="3600" dirty="0">
+                <a:latin typeface="Segoe UI" panose="020B0502040204020203" pitchFamily="34" charset="0"/>
+                <a:ea typeface="+mj-ea"/>
+                <a:cs typeface="Segoe UI" panose="020B0502040204020203" pitchFamily="34" charset="0"/>
+              </a:rPr>
+              <a:t>Must use http</a:t>
+            </a:r>
+            <a:r>
+              <a:rPr lang="en-GB" sz="3600" b="1" dirty="0">
+                <a:latin typeface="Segoe UI" panose="020B0502040204020203" pitchFamily="34" charset="0"/>
+                <a:ea typeface="+mj-ea"/>
+                <a:cs typeface="Segoe UI" panose="020B0502040204020203" pitchFamily="34" charset="0"/>
+              </a:rPr>
+              <a:t>s</a:t>
+            </a:r>
+            <a:r>
+              <a:rPr lang="en-GB" sz="3600" dirty="0">
+                <a:latin typeface="Segoe UI" panose="020B0502040204020203" pitchFamily="34" charset="0"/>
+                <a:ea typeface="+mj-ea"/>
+                <a:cs typeface="Segoe UI" panose="020B0502040204020203" pitchFamily="34" charset="0"/>
+              </a:rPr>
+              <a:t> unless localhost.</a:t>
+            </a:r>
+          </a:p>
+          <a:p>
+            <a:pPr>
+              <a:spcBef>
+                <a:spcPct val="0"/>
+              </a:spcBef>
+            </a:pPr>
+            <a:r>
+              <a:rPr lang="en-GB" dirty="0">
+                <a:ea typeface="+mj-ea"/>
+              </a:rPr>
+              <a:t>Cannot access DOM – event messaging to and from web pages.</a:t>
+            </a:r>
+            <a:endParaRPr lang="en-GB" sz="3600" dirty="0">
+              <a:latin typeface="Segoe UI" panose="020B0502040204020203" pitchFamily="34" charset="0"/>
+              <a:ea typeface="+mj-ea"/>
+              <a:cs typeface="Segoe UI" panose="020B0502040204020203" pitchFamily="34" charset="0"/>
+            </a:endParaRPr>
+          </a:p>
+          <a:p>
+            <a:pPr>
+              <a:spcBef>
+                <a:spcPct val="0"/>
+              </a:spcBef>
+            </a:pPr>
+            <a:endParaRPr lang="en-GB" sz="3600" dirty="0">
+              <a:latin typeface="Segoe UI" panose="020B0502040204020203" pitchFamily="34" charset="0"/>
+              <a:ea typeface="+mj-ea"/>
+              <a:cs typeface="Segoe UI" panose="020B0502040204020203" pitchFamily="34" charset="0"/>
+            </a:endParaRPr>
+          </a:p>
+        </p:txBody>
+      </p:sp>
     </p:spTree>
     <p:extLst>
       <p:ext uri="{BB962C8B-B14F-4D97-AF65-F5344CB8AC3E}">
-        <p14:creationId xmlns:p14="http://schemas.microsoft.com/office/powerpoint/2010/main" val="4199847308"/>
+        <p14:creationId xmlns:p14="http://schemas.microsoft.com/office/powerpoint/2010/main" val="3608804934"/>
       </p:ext>
     </p:extLst>
   </p:cSld>
@@ -9267,7 +9899,7 @@
           <a:p>
             <a:r>
               <a:rPr lang="en-GB" dirty="0"/>
-              <a:t>20s – SW and Cache API</a:t>
+              <a:t>Service Workers</a:t>
             </a:r>
           </a:p>
         </p:txBody>
@@ -9290,39 +9922,61 @@
         </p:nvSpPr>
         <p:spPr>
           <a:xfrm>
-            <a:off x="630283" y="1100137"/>
-            <a:ext cx="10515600" cy="5021529"/>
+            <a:off x="910628" y="1145382"/>
+            <a:ext cx="10515600" cy="2871787"/>
           </a:xfrm>
         </p:spPr>
         <p:txBody>
           <a:bodyPr/>
           <a:lstStyle/>
           <a:p>
-            <a:r>
-              <a:rPr lang="en-GB" dirty="0"/>
-              <a:t>The CACHE API is an HTML API not a SW feature.</a:t>
-            </a:r>
-          </a:p>
-          <a:p>
-            <a:r>
-              <a:rPr lang="en-GB" dirty="0"/>
-              <a:t>Essentially, folders that stores a dictionary of REQUEST: RESPONSE key value pairs. Cached pages.</a:t>
-            </a:r>
-          </a:p>
-          <a:p>
-            <a:r>
-              <a:rPr lang="en-GB" dirty="0"/>
-              <a:t>Regular web pages can add pages to CACHE and we will see how this can be used for fast, intelligent web pages.</a:t>
-            </a:r>
-          </a:p>
-          <a:p>
-            <a:r>
-              <a:rPr lang="en-GB" dirty="0"/>
-              <a:t>20-PWA-SW-LIFECYCLE.pptx</a:t>
-            </a:r>
-          </a:p>
-          <a:p>
-            <a:endParaRPr lang="en-GB" dirty="0"/>
+            <a:pPr>
+              <a:spcBef>
+                <a:spcPct val="0"/>
+              </a:spcBef>
+            </a:pPr>
+            <a:r>
+              <a:rPr lang="en-GB" dirty="0">
+                <a:ea typeface="+mj-ea"/>
+              </a:rPr>
+              <a:t>They may go to sleep but are awoken by events.</a:t>
+            </a:r>
+          </a:p>
+          <a:p>
+            <a:pPr>
+              <a:spcBef>
+                <a:spcPct val="0"/>
+              </a:spcBef>
+            </a:pPr>
+            <a:r>
+              <a:rPr lang="en-GB" dirty="0">
+                <a:ea typeface="+mj-ea"/>
+              </a:rPr>
+              <a:t>SW Lifecycle, Push notifications, Notifications and BackgroundSync are other events.</a:t>
+            </a:r>
+          </a:p>
+          <a:p>
+            <a:pPr>
+              <a:spcBef>
+                <a:spcPct val="0"/>
+              </a:spcBef>
+            </a:pPr>
+            <a:r>
+              <a:rPr lang="en-GB" dirty="0">
+                <a:ea typeface="+mj-ea"/>
+              </a:rPr>
+              <a:t>Has a SCOPE over which it has dominion – based on where it is located or its SCOPE option (later).</a:t>
+            </a:r>
+          </a:p>
+          <a:p>
+            <a:pPr>
+              <a:spcBef>
+                <a:spcPct val="0"/>
+              </a:spcBef>
+            </a:pPr>
+            <a:endParaRPr lang="en-GB" dirty="0">
+              <a:ea typeface="+mj-ea"/>
+            </a:endParaRPr>
           </a:p>
           <a:p>
             <a:endParaRPr lang="en-GB" dirty="0"/>
@@ -9332,7 +9986,7 @@
     </p:spTree>
     <p:extLst>
       <p:ext uri="{BB962C8B-B14F-4D97-AF65-F5344CB8AC3E}">
-        <p14:creationId xmlns:p14="http://schemas.microsoft.com/office/powerpoint/2010/main" val="3919650612"/>
+        <p14:creationId xmlns:p14="http://schemas.microsoft.com/office/powerpoint/2010/main" val="3234082164"/>
       </p:ext>
     </p:extLst>
   </p:cSld>

--- a/00-MAIN-ASYNCJS.pptx
+++ b/00-MAIN-ASYNCJS.pptx
@@ -24,6 +24,7 @@
     <p:sldId id="266" r:id="rId18"/>
     <p:sldId id="269" r:id="rId19"/>
     <p:sldId id="373" r:id="rId20"/>
+    <p:sldId id="378" r:id="rId21"/>
   </p:sldIdLst>
   <p:sldSz cx="12192000" cy="6858000"/>
   <p:notesSz cx="6858000" cy="9144000"/>
@@ -125,7 +126,7 @@
   <p:extLst>
     <p:ext uri="{521415D9-36F7-43E2-AB2F-B90AF26B5E84}">
       <p14:sectionLst xmlns:p14="http://schemas.microsoft.com/office/powerpoint/2010/main">
-        <p14:section name="Title" id="{BF0B8C19-2579-4083-971D-F8016956F3BB}">
+        <p14:section name="INTRO" id="{BF0B8C19-2579-4083-971D-F8016956F3BB}">
           <p14:sldIdLst>
             <p14:sldId id="374"/>
             <p14:sldId id="376"/>
@@ -176,6 +177,11 @@
             <p14:sldId id="373"/>
           </p14:sldIdLst>
         </p14:section>
+        <p14:section name="OUTRO" id="{F6AF1865-56E9-4F1D-8C76-BFBED40C1B96}">
+          <p14:sldIdLst>
+            <p14:sldId id="378"/>
+          </p14:sldIdLst>
+        </p14:section>
       </p14:sectionLst>
     </p:ext>
     <p:ext uri="{EFAFB233-063F-42B5-8137-9DF3F51BA10A}">
@@ -200,7 +206,7 @@
 <file path=ppt/revisionInfo.xml><?xml version="1.0" encoding="utf-8"?>
 <p1510:revInfo xmlns:a="http://schemas.openxmlformats.org/drawingml/2006/main" xmlns:r="http://schemas.openxmlformats.org/officeDocument/2006/relationships" xmlns:p1510="http://schemas.microsoft.com/office/powerpoint/2015/10/main">
   <p1510:revLst>
-    <p1510:client id="{0BEDAE74-7BC9-410D-9EFE-FE77F28C3290}" v="18" dt="2021-09-02T12:39:47.162"/>
+    <p1510:client id="{0BEDAE74-7BC9-410D-9EFE-FE77F28C3290}" v="23" dt="2021-09-02T14:52:58.274"/>
   </p1510:revLst>
 </p1510:revInfo>
 </file>
@@ -209,8 +215,8 @@
 <pc:chgInfo xmlns:a="http://schemas.openxmlformats.org/drawingml/2006/main" xmlns:r="http://schemas.openxmlformats.org/officeDocument/2006/relationships" xmlns:ac="http://schemas.microsoft.com/office/drawing/2013/main/command" xmlns:pc="http://schemas.microsoft.com/office/powerpoint/2013/main/command">
   <pc:docChgLst>
     <pc:chgData name="Craig West" userId="8d53fe141fb0f703" providerId="LiveId" clId="{0BEDAE74-7BC9-410D-9EFE-FE77F28C3290}"/>
-    <pc:docChg chg="custSel addSld delSld modSld sldOrd delSection modSection">
-      <pc:chgData name="Craig West" userId="8d53fe141fb0f703" providerId="LiveId" clId="{0BEDAE74-7BC9-410D-9EFE-FE77F28C3290}" dt="2021-09-02T13:56:41.378" v="598" actId="1076"/>
+    <pc:docChg chg="undo custSel addSld delSld modSld sldOrd addSection delSection modSection">
+      <pc:chgData name="Craig West" userId="8d53fe141fb0f703" providerId="LiveId" clId="{0BEDAE74-7BC9-410D-9EFE-FE77F28C3290}" dt="2021-09-02T14:54:09.932" v="887" actId="17846"/>
       <pc:docMkLst>
         <pc:docMk/>
       </pc:docMkLst>
@@ -378,17 +384,55 @@
         </pc:spChg>
       </pc:sldChg>
       <pc:sldChg chg="modSp mod">
-        <pc:chgData name="Craig West" userId="8d53fe141fb0f703" providerId="LiveId" clId="{0BEDAE74-7BC9-410D-9EFE-FE77F28C3290}" dt="2021-09-02T12:36:30.173" v="466" actId="20577"/>
+        <pc:chgData name="Craig West" userId="8d53fe141fb0f703" providerId="LiveId" clId="{0BEDAE74-7BC9-410D-9EFE-FE77F28C3290}" dt="2021-09-02T14:52:04.741" v="852" actId="20577"/>
         <pc:sldMkLst>
           <pc:docMk/>
           <pc:sldMk cId="3919650612" sldId="358"/>
         </pc:sldMkLst>
+        <pc:spChg chg="mod">
+          <ac:chgData name="Craig West" userId="8d53fe141fb0f703" providerId="LiveId" clId="{0BEDAE74-7BC9-410D-9EFE-FE77F28C3290}" dt="2021-09-02T14:52:04.741" v="852" actId="20577"/>
+          <ac:spMkLst>
+            <pc:docMk/>
+            <pc:sldMk cId="3919650612" sldId="358"/>
+            <ac:spMk id="2" creationId="{81769C98-962F-4C3A-B575-99BB0A9C6763}"/>
+          </ac:spMkLst>
+        </pc:spChg>
         <pc:spChg chg="mod">
           <ac:chgData name="Craig West" userId="8d53fe141fb0f703" providerId="LiveId" clId="{0BEDAE74-7BC9-410D-9EFE-FE77F28C3290}" dt="2021-09-02T12:36:30.173" v="466" actId="20577"/>
           <ac:spMkLst>
             <pc:docMk/>
             <pc:sldMk cId="3919650612" sldId="358"/>
             <ac:spMk id="3" creationId="{C77D8FCA-15A2-453C-BEDB-B01FF3E48151}"/>
+          </ac:spMkLst>
+        </pc:spChg>
+      </pc:sldChg>
+      <pc:sldChg chg="modSp mod">
+        <pc:chgData name="Craig West" userId="8d53fe141fb0f703" providerId="LiveId" clId="{0BEDAE74-7BC9-410D-9EFE-FE77F28C3290}" dt="2021-09-02T14:52:07.496" v="853" actId="20577"/>
+        <pc:sldMkLst>
+          <pc:docMk/>
+          <pc:sldMk cId="489317082" sldId="359"/>
+        </pc:sldMkLst>
+        <pc:spChg chg="mod">
+          <ac:chgData name="Craig West" userId="8d53fe141fb0f703" providerId="LiveId" clId="{0BEDAE74-7BC9-410D-9EFE-FE77F28C3290}" dt="2021-09-02T14:52:07.496" v="853" actId="20577"/>
+          <ac:spMkLst>
+            <pc:docMk/>
+            <pc:sldMk cId="489317082" sldId="359"/>
+            <ac:spMk id="2" creationId="{81769C98-962F-4C3A-B575-99BB0A9C6763}"/>
+          </ac:spMkLst>
+        </pc:spChg>
+      </pc:sldChg>
+      <pc:sldChg chg="modSp mod">
+        <pc:chgData name="Craig West" userId="8d53fe141fb0f703" providerId="LiveId" clId="{0BEDAE74-7BC9-410D-9EFE-FE77F28C3290}" dt="2021-09-02T14:52:11.037" v="855" actId="20577"/>
+        <pc:sldMkLst>
+          <pc:docMk/>
+          <pc:sldMk cId="796212597" sldId="360"/>
+        </pc:sldMkLst>
+        <pc:spChg chg="mod">
+          <ac:chgData name="Craig West" userId="8d53fe141fb0f703" providerId="LiveId" clId="{0BEDAE74-7BC9-410D-9EFE-FE77F28C3290}" dt="2021-09-02T14:52:11.037" v="855" actId="20577"/>
+          <ac:spMkLst>
+            <pc:docMk/>
+            <pc:sldMk cId="796212597" sldId="360"/>
+            <ac:spMk id="2" creationId="{81769C98-962F-4C3A-B575-99BB0A9C6763}"/>
           </ac:spMkLst>
         </pc:spChg>
       </pc:sldChg>
@@ -455,6 +499,36 @@
             <pc:docMk/>
             <pc:sldMk cId="2993391419" sldId="366"/>
             <ac:spMk id="3" creationId="{C77D8FCA-15A2-453C-BEDB-B01FF3E48151}"/>
+          </ac:spMkLst>
+        </pc:spChg>
+      </pc:sldChg>
+      <pc:sldChg chg="modSp mod">
+        <pc:chgData name="Craig West" userId="8d53fe141fb0f703" providerId="LiveId" clId="{0BEDAE74-7BC9-410D-9EFE-FE77F28C3290}" dt="2021-09-02T14:52:14.234" v="856" actId="20577"/>
+        <pc:sldMkLst>
+          <pc:docMk/>
+          <pc:sldMk cId="2956467782" sldId="367"/>
+        </pc:sldMkLst>
+        <pc:spChg chg="mod">
+          <ac:chgData name="Craig West" userId="8d53fe141fb0f703" providerId="LiveId" clId="{0BEDAE74-7BC9-410D-9EFE-FE77F28C3290}" dt="2021-09-02T14:52:14.234" v="856" actId="20577"/>
+          <ac:spMkLst>
+            <pc:docMk/>
+            <pc:sldMk cId="2956467782" sldId="367"/>
+            <ac:spMk id="2" creationId="{81769C98-962F-4C3A-B575-99BB0A9C6763}"/>
+          </ac:spMkLst>
+        </pc:spChg>
+      </pc:sldChg>
+      <pc:sldChg chg="modSp mod">
+        <pc:chgData name="Craig West" userId="8d53fe141fb0f703" providerId="LiveId" clId="{0BEDAE74-7BC9-410D-9EFE-FE77F28C3290}" dt="2021-09-02T14:52:17.393" v="857" actId="20577"/>
+        <pc:sldMkLst>
+          <pc:docMk/>
+          <pc:sldMk cId="2694033607" sldId="368"/>
+        </pc:sldMkLst>
+        <pc:spChg chg="mod">
+          <ac:chgData name="Craig West" userId="8d53fe141fb0f703" providerId="LiveId" clId="{0BEDAE74-7BC9-410D-9EFE-FE77F28C3290}" dt="2021-09-02T14:52:17.393" v="857" actId="20577"/>
+          <ac:spMkLst>
+            <pc:docMk/>
+            <pc:sldMk cId="2694033607" sldId="368"/>
+            <ac:spMk id="2" creationId="{81769C98-962F-4C3A-B575-99BB0A9C6763}"/>
           </ac:spMkLst>
         </pc:spChg>
       </pc:sldChg>
@@ -525,7 +599,7 @@
         </pc:spChg>
       </pc:sldChg>
       <pc:sldChg chg="modSp add mod ord">
-        <pc:chgData name="Craig West" userId="8d53fe141fb0f703" providerId="LiveId" clId="{0BEDAE74-7BC9-410D-9EFE-FE77F28C3290}" dt="2021-09-02T13:56:41.378" v="598" actId="1076"/>
+        <pc:chgData name="Craig West" userId="8d53fe141fb0f703" providerId="LiveId" clId="{0BEDAE74-7BC9-410D-9EFE-FE77F28C3290}" dt="2021-09-02T14:53:33.280" v="881" actId="14100"/>
         <pc:sldMkLst>
           <pc:docMk/>
           <pc:sldMk cId="3668984345" sldId="374"/>
@@ -539,7 +613,7 @@
           </ac:spMkLst>
         </pc:spChg>
         <pc:spChg chg="mod">
-          <ac:chgData name="Craig West" userId="8d53fe141fb0f703" providerId="LiveId" clId="{0BEDAE74-7BC9-410D-9EFE-FE77F28C3290}" dt="2021-09-02T13:56:41.378" v="598" actId="1076"/>
+          <ac:chgData name="Craig West" userId="8d53fe141fb0f703" providerId="LiveId" clId="{0BEDAE74-7BC9-410D-9EFE-FE77F28C3290}" dt="2021-09-02T14:53:33.280" v="881" actId="14100"/>
           <ac:spMkLst>
             <pc:docMk/>
             <pc:sldMk cId="3668984345" sldId="374"/>
@@ -548,7 +622,7 @@
         </pc:spChg>
       </pc:sldChg>
       <pc:sldChg chg="addSp delSp modSp add mod">
-        <pc:chgData name="Craig West" userId="8d53fe141fb0f703" providerId="LiveId" clId="{0BEDAE74-7BC9-410D-9EFE-FE77F28C3290}" dt="2021-09-01T08:32:19.399" v="380" actId="478"/>
+        <pc:chgData name="Craig West" userId="8d53fe141fb0f703" providerId="LiveId" clId="{0BEDAE74-7BC9-410D-9EFE-FE77F28C3290}" dt="2021-09-02T14:50:08.044" v="796" actId="114"/>
         <pc:sldMkLst>
           <pc:docMk/>
           <pc:sldMk cId="863236368" sldId="375"/>
@@ -559,6 +633,22 @@
             <pc:docMk/>
             <pc:sldMk cId="863236368" sldId="375"/>
             <ac:spMk id="2" creationId="{81769C98-962F-4C3A-B575-99BB0A9C6763}"/>
+          </ac:spMkLst>
+        </pc:spChg>
+        <pc:spChg chg="add mod">
+          <ac:chgData name="Craig West" userId="8d53fe141fb0f703" providerId="LiveId" clId="{0BEDAE74-7BC9-410D-9EFE-FE77F28C3290}" dt="2021-09-02T14:47:53.049" v="684" actId="114"/>
+          <ac:spMkLst>
+            <pc:docMk/>
+            <pc:sldMk cId="863236368" sldId="375"/>
+            <ac:spMk id="2" creationId="{E1FC7B54-61C1-4ACB-836B-B71194F6BFF4}"/>
+          </ac:spMkLst>
+        </pc:spChg>
+        <pc:spChg chg="add mod">
+          <ac:chgData name="Craig West" userId="8d53fe141fb0f703" providerId="LiveId" clId="{0BEDAE74-7BC9-410D-9EFE-FE77F28C3290}" dt="2021-09-02T14:50:08.044" v="796" actId="114"/>
+          <ac:spMkLst>
+            <pc:docMk/>
+            <pc:sldMk cId="863236368" sldId="375"/>
+            <ac:spMk id="3" creationId="{01D2FA7E-8AA7-449C-8C77-2C1BE27B4150}"/>
           </ac:spMkLst>
         </pc:spChg>
         <pc:spChg chg="del">
@@ -586,7 +676,7 @@
           </ac:spMkLst>
         </pc:spChg>
         <pc:picChg chg="add mod ord">
-          <ac:chgData name="Craig West" userId="8d53fe141fb0f703" providerId="LiveId" clId="{0BEDAE74-7BC9-410D-9EFE-FE77F28C3290}" dt="2021-09-01T08:32:13.242" v="379" actId="1076"/>
+          <ac:chgData name="Craig West" userId="8d53fe141fb0f703" providerId="LiveId" clId="{0BEDAE74-7BC9-410D-9EFE-FE77F28C3290}" dt="2021-09-02T14:48:44.342" v="732" actId="1076"/>
           <ac:picMkLst>
             <pc:docMk/>
             <pc:sldMk cId="863236368" sldId="375"/>
@@ -647,6 +737,13 @@
             <ac:spMk id="45" creationId="{B1691B79-AABE-43A9-9F3E-B935A543FAB7}"/>
           </ac:spMkLst>
         </pc:spChg>
+      </pc:sldChg>
+      <pc:sldChg chg="add ord">
+        <pc:chgData name="Craig West" userId="8d53fe141fb0f703" providerId="LiveId" clId="{0BEDAE74-7BC9-410D-9EFE-FE77F28C3290}" dt="2021-09-02T14:53:41.422" v="884"/>
+        <pc:sldMkLst>
+          <pc:docMk/>
+          <pc:sldMk cId="640447360" sldId="378"/>
+        </pc:sldMkLst>
       </pc:sldChg>
     </pc:docChg>
   </pc:docChgLst>
@@ -3991,8 +4088,8 @@
         </p:nvSpPr>
         <p:spPr>
           <a:xfrm>
-            <a:off x="838200" y="1780903"/>
-            <a:ext cx="10515600" cy="4267200"/>
+            <a:off x="838200" y="1257299"/>
+            <a:ext cx="10515600" cy="5134791"/>
           </a:xfrm>
         </p:spPr>
         <p:txBody>
@@ -4006,11 +4103,35 @@
               <a:rPr lang="en-GB" sz="3200" dirty="0">
                 <a:latin typeface="Avenir Next LT Pro" panose="020B0504020202020204" pitchFamily="34" charset="0"/>
               </a:rPr>
-              <a:t>Using HTML5 APIs to create Progressive Web Apps.</a:t>
-            </a:r>
-            <a:endParaRPr lang="en-GB" sz="6000" dirty="0">
-              <a:latin typeface="Avenir Next LT Pro" panose="020B0504020202020204" pitchFamily="34" charset="0"/>
-            </a:endParaRPr>
+              <a:t>Using </a:t>
+            </a:r>
+            <a:r>
+              <a:rPr lang="en-GB" sz="3200" b="1" dirty="0">
+                <a:latin typeface="Avenir Next LT Pro" panose="020B0504020202020204" pitchFamily="34" charset="0"/>
+              </a:rPr>
+              <a:t>HTML5</a:t>
+            </a:r>
+            <a:r>
+              <a:rPr lang="en-GB" sz="3200" dirty="0">
+                <a:latin typeface="Avenir Next LT Pro" panose="020B0504020202020204" pitchFamily="34" charset="0"/>
+              </a:rPr>
+              <a:t> APIs to create fast, robust websites.</a:t>
+            </a:r>
+          </a:p>
+          <a:p>
+            <a:pPr algn="ctr"/>
+            <a:r>
+              <a:rPr lang="en-GB" sz="3200" dirty="0">
+                <a:latin typeface="Avenir Next LT Pro" panose="020B0504020202020204" pitchFamily="34" charset="0"/>
+              </a:rPr>
+              <a:t>Collectively known as Progressive Web Apps</a:t>
+            </a:r>
+            <a:r>
+              <a:rPr lang="en-GB" sz="6000" dirty="0">
+                <a:latin typeface="Avenir Next LT Pro" panose="020B0504020202020204" pitchFamily="34" charset="0"/>
+              </a:rPr>
+              <a:t>.</a:t>
+            </a:r>
           </a:p>
           <a:p>
             <a:pPr algn="ctr"/>
@@ -4034,10 +4155,50 @@
             <a:pPr algn="ctr"/>
             <a:r>
               <a:rPr lang="en-GB" sz="4800" dirty="0">
+                <a:solidFill>
+                  <a:schemeClr val="bg1"/>
+                </a:solidFill>
+                <a:latin typeface="Avenir Next LT Pro" panose="020B0504020202020204" pitchFamily="34" charset="0"/>
+                <a:hlinkClick r:id="rId2">
+                  <a:extLst>
+                    <a:ext uri="{A12FA001-AC4F-418D-AE19-62706E023703}">
+                      <ahyp:hlinkClr xmlns:ahyp="http://schemas.microsoft.com/office/drawing/2018/hyperlinkcolor" val="tx"/>
+                    </a:ext>
+                  </a:extLst>
+                </a:hlinkClick>
+              </a:rPr>
+              <a:t>https://github.com/iwswordpress</a:t>
+            </a:r>
+            <a:endParaRPr lang="en-GB" sz="4800" dirty="0">
+              <a:solidFill>
+                <a:schemeClr val="bg1"/>
+              </a:solidFill>
+              <a:latin typeface="Avenir Next LT Pro" panose="020B0504020202020204" pitchFamily="34" charset="0"/>
+            </a:endParaRPr>
+          </a:p>
+          <a:p>
+            <a:pPr algn="ctr"/>
+            <a:r>
+              <a:rPr lang="en-GB" sz="4800" dirty="0">
+                <a:solidFill>
+                  <a:schemeClr val="bg1"/>
+                </a:solidFill>
                 <a:latin typeface="Avenir Next LT Pro" panose="020B0504020202020204" pitchFamily="34" charset="0"/>
               </a:rPr>
-              <a:t>https://github.com/iwswordpress</a:t>
-            </a:r>
+              <a:t>craig@wpjs.co.uk</a:t>
+            </a:r>
+          </a:p>
+          <a:p>
+            <a:pPr algn="ctr"/>
+            <a:endParaRPr lang="en-GB" sz="4800" dirty="0">
+              <a:latin typeface="Avenir Next LT Pro" panose="020B0504020202020204" pitchFamily="34" charset="0"/>
+            </a:endParaRPr>
+          </a:p>
+          <a:p>
+            <a:pPr algn="ctr"/>
+            <a:endParaRPr lang="en-GB" sz="4800" dirty="0">
+              <a:latin typeface="Avenir Next LT Pro" panose="020B0504020202020204" pitchFamily="34" charset="0"/>
+            </a:endParaRPr>
           </a:p>
           <a:p>
             <a:pPr algn="ctr"/>
@@ -4239,7 +4400,7 @@
           <a:p>
             <a:r>
               <a:rPr lang="en-GB" dirty="0"/>
-              <a:t>20s – SW and Cache API</a:t>
+              <a:t>SW and Cache API</a:t>
             </a:r>
           </a:p>
         </p:txBody>
@@ -4348,7 +4509,7 @@
           <a:p>
             <a:r>
               <a:rPr lang="en-GB" dirty="0"/>
-              <a:t>30s IndexedDB</a:t>
+              <a:t>IndexedDB</a:t>
             </a:r>
           </a:p>
         </p:txBody>
@@ -4463,7 +4624,7 @@
           <a:p>
             <a:r>
               <a:rPr lang="en-GB" dirty="0"/>
-              <a:t>30s IndexedDB</a:t>
+              <a:t>IndexedDB</a:t>
             </a:r>
           </a:p>
         </p:txBody>
@@ -4577,7 +4738,7 @@
           <a:p>
             <a:r>
               <a:rPr lang="en-GB" dirty="0"/>
-              <a:t>40s Messaging and Notifications</a:t>
+              <a:t>Messaging and Notifications</a:t>
             </a:r>
           </a:p>
         </p:txBody>
@@ -4686,7 +4847,7 @@
           <a:p>
             <a:r>
               <a:rPr lang="en-GB" dirty="0"/>
-              <a:t>40s Messaging and Notifications</a:t>
+              <a:t>Messaging and Notifications</a:t>
             </a:r>
           </a:p>
         </p:txBody>
@@ -7306,6 +7467,210 @@
 </p:sld>
 </file>
 
+<file path=ppt/slides/slide20.xml><?xml version="1.0" encoding="utf-8"?>
+<p:sld xmlns:a="http://schemas.openxmlformats.org/drawingml/2006/main" xmlns:r="http://schemas.openxmlformats.org/officeDocument/2006/relationships" xmlns:p="http://schemas.openxmlformats.org/presentationml/2006/main">
+  <p:cSld>
+    <p:spTree>
+      <p:nvGrpSpPr>
+        <p:cNvPr id="1" name=""/>
+        <p:cNvGrpSpPr/>
+        <p:nvPr/>
+      </p:nvGrpSpPr>
+      <p:grpSpPr>
+        <a:xfrm>
+          <a:off x="0" y="0"/>
+          <a:ext cx="0" cy="0"/>
+          <a:chOff x="0" y="0"/>
+          <a:chExt cx="0" cy="0"/>
+        </a:xfrm>
+      </p:grpSpPr>
+      <p:sp>
+        <p:nvSpPr>
+          <p:cNvPr id="2" name="Title 1">
+            <a:extLst>
+              <a:ext uri="{FF2B5EF4-FFF2-40B4-BE49-F238E27FC236}">
+                <a16:creationId xmlns:a16="http://schemas.microsoft.com/office/drawing/2014/main" id="{81769C98-962F-4C3A-B575-99BB0A9C6763}"/>
+              </a:ext>
+            </a:extLst>
+          </p:cNvPr>
+          <p:cNvSpPr>
+            <a:spLocks noGrp="1"/>
+          </p:cNvSpPr>
+          <p:nvPr>
+            <p:ph type="title"/>
+          </p:nvPr>
+        </p:nvSpPr>
+        <p:spPr>
+          <a:xfrm>
+            <a:off x="986828" y="364465"/>
+            <a:ext cx="10515600" cy="892835"/>
+          </a:xfrm>
+        </p:spPr>
+        <p:txBody>
+          <a:bodyPr>
+            <a:noAutofit/>
+          </a:bodyPr>
+          <a:lstStyle/>
+          <a:p>
+            <a:pPr algn="ctr"/>
+            <a:r>
+              <a:rPr lang="en-GB" sz="6600" dirty="0"/>
+              <a:t>Offline and ‘instant’ websites</a:t>
+            </a:r>
+          </a:p>
+        </p:txBody>
+      </p:sp>
+      <p:sp>
+        <p:nvSpPr>
+          <p:cNvPr id="3" name="Content Placeholder 2">
+            <a:extLst>
+              <a:ext uri="{FF2B5EF4-FFF2-40B4-BE49-F238E27FC236}">
+                <a16:creationId xmlns:a16="http://schemas.microsoft.com/office/drawing/2014/main" id="{C77D8FCA-15A2-453C-BEDB-B01FF3E48151}"/>
+              </a:ext>
+            </a:extLst>
+          </p:cNvPr>
+          <p:cNvSpPr>
+            <a:spLocks noGrp="1"/>
+          </p:cNvSpPr>
+          <p:nvPr>
+            <p:ph idx="1"/>
+          </p:nvPr>
+        </p:nvSpPr>
+        <p:spPr>
+          <a:xfrm>
+            <a:off x="838200" y="1257299"/>
+            <a:ext cx="10515600" cy="5134791"/>
+          </a:xfrm>
+        </p:spPr>
+        <p:txBody>
+          <a:bodyPr>
+            <a:noAutofit/>
+          </a:bodyPr>
+          <a:lstStyle/>
+          <a:p>
+            <a:pPr algn="ctr"/>
+            <a:r>
+              <a:rPr lang="en-GB" sz="3200" dirty="0">
+                <a:latin typeface="Avenir Next LT Pro" panose="020B0504020202020204" pitchFamily="34" charset="0"/>
+              </a:rPr>
+              <a:t>Using </a:t>
+            </a:r>
+            <a:r>
+              <a:rPr lang="en-GB" sz="3200" b="1" dirty="0">
+                <a:latin typeface="Avenir Next LT Pro" panose="020B0504020202020204" pitchFamily="34" charset="0"/>
+              </a:rPr>
+              <a:t>HTML5</a:t>
+            </a:r>
+            <a:r>
+              <a:rPr lang="en-GB" sz="3200" dirty="0">
+                <a:latin typeface="Avenir Next LT Pro" panose="020B0504020202020204" pitchFamily="34" charset="0"/>
+              </a:rPr>
+              <a:t> APIs to create fast, robust websites.</a:t>
+            </a:r>
+          </a:p>
+          <a:p>
+            <a:pPr algn="ctr"/>
+            <a:r>
+              <a:rPr lang="en-GB" sz="3200" dirty="0">
+                <a:latin typeface="Avenir Next LT Pro" panose="020B0504020202020204" pitchFamily="34" charset="0"/>
+              </a:rPr>
+              <a:t>Collectively known as Progressive Web Apps</a:t>
+            </a:r>
+            <a:r>
+              <a:rPr lang="en-GB" sz="6000" dirty="0">
+                <a:latin typeface="Avenir Next LT Pro" panose="020B0504020202020204" pitchFamily="34" charset="0"/>
+              </a:rPr>
+              <a:t>.</a:t>
+            </a:r>
+          </a:p>
+          <a:p>
+            <a:pPr algn="ctr"/>
+            <a:r>
+              <a:rPr lang="en-GB" sz="6000" dirty="0">
+                <a:latin typeface="Avenir Next LT Pro" panose="020B0504020202020204" pitchFamily="34" charset="0"/>
+              </a:rPr>
+              <a:t>Craig West</a:t>
+            </a:r>
+          </a:p>
+          <a:p>
+            <a:pPr algn="ctr"/>
+            <a:r>
+              <a:rPr lang="en-GB" sz="6000" dirty="0">
+                <a:latin typeface="Avenir Next LT Pro" panose="020B0504020202020204" pitchFamily="34" charset="0"/>
+              </a:rPr>
+              <a:t>Trainer and Developer</a:t>
+            </a:r>
+          </a:p>
+          <a:p>
+            <a:pPr algn="ctr"/>
+            <a:r>
+              <a:rPr lang="en-GB" sz="4800" dirty="0">
+                <a:solidFill>
+                  <a:schemeClr val="bg1"/>
+                </a:solidFill>
+                <a:latin typeface="Avenir Next LT Pro" panose="020B0504020202020204" pitchFamily="34" charset="0"/>
+                <a:hlinkClick r:id="rId2">
+                  <a:extLst>
+                    <a:ext uri="{A12FA001-AC4F-418D-AE19-62706E023703}">
+                      <ahyp:hlinkClr xmlns:ahyp="http://schemas.microsoft.com/office/drawing/2018/hyperlinkcolor" val="tx"/>
+                    </a:ext>
+                  </a:extLst>
+                </a:hlinkClick>
+              </a:rPr>
+              <a:t>https://github.com/iwswordpress</a:t>
+            </a:r>
+            <a:endParaRPr lang="en-GB" sz="4800" dirty="0">
+              <a:solidFill>
+                <a:schemeClr val="bg1"/>
+              </a:solidFill>
+              <a:latin typeface="Avenir Next LT Pro" panose="020B0504020202020204" pitchFamily="34" charset="0"/>
+            </a:endParaRPr>
+          </a:p>
+          <a:p>
+            <a:pPr algn="ctr"/>
+            <a:r>
+              <a:rPr lang="en-GB" sz="4800" dirty="0">
+                <a:solidFill>
+                  <a:schemeClr val="bg1"/>
+                </a:solidFill>
+                <a:latin typeface="Avenir Next LT Pro" panose="020B0504020202020204" pitchFamily="34" charset="0"/>
+              </a:rPr>
+              <a:t>craig@wpjs.co.uk</a:t>
+            </a:r>
+          </a:p>
+          <a:p>
+            <a:pPr algn="ctr"/>
+            <a:endParaRPr lang="en-GB" sz="4800" dirty="0">
+              <a:latin typeface="Avenir Next LT Pro" panose="020B0504020202020204" pitchFamily="34" charset="0"/>
+            </a:endParaRPr>
+          </a:p>
+          <a:p>
+            <a:pPr algn="ctr"/>
+            <a:endParaRPr lang="en-GB" sz="4800" dirty="0">
+              <a:latin typeface="Avenir Next LT Pro" panose="020B0504020202020204" pitchFamily="34" charset="0"/>
+            </a:endParaRPr>
+          </a:p>
+          <a:p>
+            <a:pPr algn="ctr"/>
+            <a:endParaRPr lang="en-GB" sz="6000" dirty="0">
+              <a:latin typeface="Avenir Next LT Pro" panose="020B0504020202020204" pitchFamily="34" charset="0"/>
+            </a:endParaRPr>
+          </a:p>
+        </p:txBody>
+      </p:sp>
+    </p:spTree>
+    <p:extLst>
+      <p:ext uri="{BB962C8B-B14F-4D97-AF65-F5344CB8AC3E}">
+        <p14:creationId xmlns:p14="http://schemas.microsoft.com/office/powerpoint/2010/main" val="640447360"/>
+      </p:ext>
+    </p:extLst>
+  </p:cSld>
+  <p:clrMapOvr>
+    <a:masterClrMapping/>
+  </p:clrMapOvr>
+</p:sld>
+</file>
+
 <file path=ppt/slides/slide3.xml><?xml version="1.0" encoding="utf-8"?>
 <p:sld xmlns:a="http://schemas.openxmlformats.org/drawingml/2006/main" xmlns:r="http://schemas.openxmlformats.org/officeDocument/2006/relationships" xmlns:p="http://schemas.openxmlformats.org/presentationml/2006/main">
   <p:cSld>
@@ -7353,11 +7718,81 @@
         </p:blipFill>
         <p:spPr>
           <a:xfrm>
-            <a:off x="1988853" y="458457"/>
+            <a:off x="1988853" y="479955"/>
             <a:ext cx="8214293" cy="5898090"/>
           </a:xfrm>
         </p:spPr>
       </p:pic>
+      <p:sp>
+        <p:nvSpPr>
+          <p:cNvPr id="2" name="TextBox 1">
+            <a:extLst>
+              <a:ext uri="{FF2B5EF4-FFF2-40B4-BE49-F238E27FC236}">
+                <a16:creationId xmlns:a16="http://schemas.microsoft.com/office/drawing/2014/main" id="{E1FC7B54-61C1-4ACB-836B-B71194F6BFF4}"/>
+              </a:ext>
+            </a:extLst>
+          </p:cNvPr>
+          <p:cNvSpPr txBox="1"/>
+          <p:nvPr/>
+        </p:nvSpPr>
+        <p:spPr>
+          <a:xfrm>
+            <a:off x="3335381" y="597247"/>
+            <a:ext cx="3178629" cy="646331"/>
+          </a:xfrm>
+          <a:prstGeom prst="rect">
+            <a:avLst/>
+          </a:prstGeom>
+          <a:noFill/>
+        </p:spPr>
+        <p:txBody>
+          <a:bodyPr wrap="square" rtlCol="0">
+            <a:spAutoFit/>
+          </a:bodyPr>
+          <a:lstStyle/>
+          <a:p>
+            <a:r>
+              <a:rPr lang="en-GB" i="1" dirty="0"/>
+              <a:t>Progressive = one can use just a few features as needed. </a:t>
+            </a:r>
+          </a:p>
+        </p:txBody>
+      </p:sp>
+      <p:sp>
+        <p:nvSpPr>
+          <p:cNvPr id="3" name="TextBox 2">
+            <a:extLst>
+              <a:ext uri="{FF2B5EF4-FFF2-40B4-BE49-F238E27FC236}">
+                <a16:creationId xmlns:a16="http://schemas.microsoft.com/office/drawing/2014/main" id="{01D2FA7E-8AA7-449C-8C77-2C1BE27B4150}"/>
+              </a:ext>
+            </a:extLst>
+          </p:cNvPr>
+          <p:cNvSpPr txBox="1"/>
+          <p:nvPr/>
+        </p:nvSpPr>
+        <p:spPr>
+          <a:xfrm>
+            <a:off x="5286101" y="2011680"/>
+            <a:ext cx="4676504" cy="461665"/>
+          </a:xfrm>
+          <a:prstGeom prst="rect">
+            <a:avLst/>
+          </a:prstGeom>
+          <a:noFill/>
+        </p:spPr>
+        <p:txBody>
+          <a:bodyPr wrap="square" rtlCol="0">
+            <a:spAutoFit/>
+          </a:bodyPr>
+          <a:lstStyle/>
+          <a:p>
+            <a:r>
+              <a:rPr lang="en-GB" sz="2400" i="1" dirty="0"/>
+              <a:t>Brain interprets instant  if  &lt; 100ms</a:t>
+            </a:r>
+          </a:p>
+        </p:txBody>
+      </p:sp>
     </p:spTree>
     <p:extLst>
       <p:ext uri="{BB962C8B-B14F-4D97-AF65-F5344CB8AC3E}">

--- a/00-MAIN-ASYNCJS.pptx
+++ b/00-MAIN-ASYNCJS.pptx
@@ -206,7 +206,7 @@
 <file path=ppt/revisionInfo.xml><?xml version="1.0" encoding="utf-8"?>
 <p1510:revInfo xmlns:a="http://schemas.openxmlformats.org/drawingml/2006/main" xmlns:r="http://schemas.openxmlformats.org/officeDocument/2006/relationships" xmlns:p1510="http://schemas.microsoft.com/office/powerpoint/2015/10/main">
   <p1510:revLst>
-    <p1510:client id="{0BEDAE74-7BC9-410D-9EFE-FE77F28C3290}" v="23" dt="2021-09-02T14:52:58.274"/>
+    <p1510:client id="{0BEDAE74-7BC9-410D-9EFE-FE77F28C3290}" v="24" dt="2021-09-02T15:58:20.315"/>
   </p1510:revLst>
 </p1510:revInfo>
 </file>
@@ -216,7 +216,7 @@
   <pc:docChgLst>
     <pc:chgData name="Craig West" userId="8d53fe141fb0f703" providerId="LiveId" clId="{0BEDAE74-7BC9-410D-9EFE-FE77F28C3290}"/>
     <pc:docChg chg="undo custSel addSld delSld modSld sldOrd addSection delSection modSection">
-      <pc:chgData name="Craig West" userId="8d53fe141fb0f703" providerId="LiveId" clId="{0BEDAE74-7BC9-410D-9EFE-FE77F28C3290}" dt="2021-09-02T14:54:09.932" v="887" actId="17846"/>
+      <pc:chgData name="Craig West" userId="8d53fe141fb0f703" providerId="LiveId" clId="{0BEDAE74-7BC9-410D-9EFE-FE77F28C3290}" dt="2021-09-02T15:59:38.315" v="1069" actId="20577"/>
       <pc:docMkLst>
         <pc:docMk/>
       </pc:docMkLst>
@@ -583,8 +583,8 @@
           <pc:sldMk cId="807650462" sldId="373"/>
         </pc:sldMkLst>
       </pc:sldChg>
-      <pc:sldChg chg="modSp mod setBg">
-        <pc:chgData name="Craig West" userId="8d53fe141fb0f703" providerId="LiveId" clId="{0BEDAE74-7BC9-410D-9EFE-FE77F28C3290}" dt="2021-09-01T07:05:08.350" v="27" actId="207"/>
+      <pc:sldChg chg="addSp modSp mod setBg">
+        <pc:chgData name="Craig West" userId="8d53fe141fb0f703" providerId="LiveId" clId="{0BEDAE74-7BC9-410D-9EFE-FE77F28C3290}" dt="2021-09-02T15:59:38.315" v="1069" actId="20577"/>
         <pc:sldMkLst>
           <pc:docMk/>
           <pc:sldMk cId="3809224471" sldId="373"/>
@@ -595,6 +595,14 @@
             <pc:docMk/>
             <pc:sldMk cId="3809224471" sldId="373"/>
             <ac:spMk id="2" creationId="{AEEF7F24-C545-4AC7-A077-BE03EDD20C5D}"/>
+          </ac:spMkLst>
+        </pc:spChg>
+        <pc:spChg chg="add mod">
+          <ac:chgData name="Craig West" userId="8d53fe141fb0f703" providerId="LiveId" clId="{0BEDAE74-7BC9-410D-9EFE-FE77F28C3290}" dt="2021-09-02T15:59:38.315" v="1069" actId="20577"/>
+          <ac:spMkLst>
+            <pc:docMk/>
+            <pc:sldMk cId="3809224471" sldId="373"/>
+            <ac:spMk id="4" creationId="{D6285B62-68A4-4455-AA6E-82C358797EE2}"/>
           </ac:spMkLst>
         </pc:spChg>
       </pc:sldChg>
@@ -6899,6 +6907,61 @@
               <a:latin typeface="Segoe UI" panose="020B0502040204020203" pitchFamily="34" charset="0"/>
               <a:cs typeface="Segoe UI" panose="020B0502040204020203" pitchFamily="34" charset="0"/>
             </a:endParaRPr>
+          </a:p>
+        </p:txBody>
+      </p:sp>
+      <p:sp>
+        <p:nvSpPr>
+          <p:cNvPr id="4" name="TextBox 3">
+            <a:extLst>
+              <a:ext uri="{FF2B5EF4-FFF2-40B4-BE49-F238E27FC236}">
+                <a16:creationId xmlns:a16="http://schemas.microsoft.com/office/drawing/2014/main" id="{D6285B62-68A4-4455-AA6E-82C358797EE2}"/>
+              </a:ext>
+            </a:extLst>
+          </p:cNvPr>
+          <p:cNvSpPr txBox="1"/>
+          <p:nvPr/>
+        </p:nvSpPr>
+        <p:spPr>
+          <a:xfrm>
+            <a:off x="838200" y="5573486"/>
+            <a:ext cx="5074922" cy="923330"/>
+          </a:xfrm>
+          <a:prstGeom prst="rect">
+            <a:avLst/>
+          </a:prstGeom>
+          <a:noFill/>
+        </p:spPr>
+        <p:txBody>
+          <a:bodyPr wrap="square" rtlCol="0">
+            <a:spAutoFit/>
+          </a:bodyPr>
+          <a:lstStyle/>
+          <a:p>
+            <a:r>
+              <a:rPr lang="en-GB" i="1" dirty="0">
+                <a:solidFill>
+                  <a:srgbClr val="FF0000"/>
+                </a:solidFill>
+              </a:rPr>
+              <a:t>Tested on my Samsung </a:t>
+            </a:r>
+            <a:r>
+              <a:rPr lang="en-GB" i="1">
+                <a:solidFill>
+                  <a:srgbClr val="FF0000"/>
+                </a:solidFill>
+              </a:rPr>
+              <a:t>02SEP2021  Notification came </a:t>
+            </a:r>
+            <a:r>
+              <a:rPr lang="en-GB" i="1" dirty="0">
+                <a:solidFill>
+                  <a:srgbClr val="FF0000"/>
+                </a:solidFill>
+              </a:rPr>
+              <a:t>through when form submitted with FLIGHT MODE ON and then back ONLINE.</a:t>
+            </a:r>
           </a:p>
         </p:txBody>
       </p:sp>
